--- a/08_getting_started_and_troubleshooting.pptx
+++ b/08_getting_started_and_troubleshooting.pptx
@@ -18,6 +18,10 @@
     <p:sldId id="265" r:id="rId13"/>
     <p:sldId id="266" r:id="rId14"/>
     <p:sldId id="267" r:id="rId15"/>
+    <p:sldId id="268" r:id="rId16"/>
+    <p:sldId id="269" r:id="rId17"/>
+    <p:sldId id="270" r:id="rId18"/>
+    <p:sldId id="271" r:id="rId19"/>
   </p:sldIdLst>
   <p:sldSz cx="12192000" cy="6858000"/>
   <p:notesSz cx="7772400" cy="10058400"/>
@@ -3585,7 +3589,7 @@
         <p:spPr>
           <a:xfrm>
             <a:off x="0" y="6560280"/>
-            <a:ext cx="12190320" cy="295920"/>
+            <a:ext cx="12189960" cy="295560"/>
           </a:xfrm>
           <a:prstGeom prst="rect">
             <a:avLst/>
@@ -3621,7 +3625,7 @@
         <p:spPr>
           <a:xfrm>
             <a:off x="0" y="0"/>
-            <a:ext cx="12190320" cy="620280"/>
+            <a:ext cx="12189960" cy="619920"/>
           </a:xfrm>
           <a:prstGeom prst="rect">
             <a:avLst/>
@@ -3657,7 +3661,7 @@
         <p:spPr>
           <a:xfrm>
             <a:off x="783000" y="60120"/>
-            <a:ext cx="6591960" cy="502560"/>
+            <a:ext cx="6591600" cy="502200"/>
           </a:xfrm>
           <a:prstGeom prst="rect">
             <a:avLst/>
@@ -3687,7 +3691,7 @@
         <p:spPr>
           <a:xfrm>
             <a:off x="11450880" y="6592320"/>
-            <a:ext cx="649080" cy="231840"/>
+            <a:ext cx="648720" cy="231480"/>
           </a:xfrm>
           <a:prstGeom prst="rect">
             <a:avLst/>
@@ -4016,7 +4020,7 @@
         <p:spPr>
           <a:xfrm>
             <a:off x="0" y="6560280"/>
-            <a:ext cx="12190320" cy="295920"/>
+            <a:ext cx="12189960" cy="295560"/>
           </a:xfrm>
           <a:prstGeom prst="rect">
             <a:avLst/>
@@ -4052,7 +4056,7 @@
         <p:spPr>
           <a:xfrm>
             <a:off x="0" y="0"/>
-            <a:ext cx="12190320" cy="620280"/>
+            <a:ext cx="12189960" cy="619920"/>
           </a:xfrm>
           <a:prstGeom prst="rect">
             <a:avLst/>
@@ -4088,7 +4092,7 @@
         <p:spPr>
           <a:xfrm>
             <a:off x="783000" y="60120"/>
-            <a:ext cx="6591960" cy="502560"/>
+            <a:ext cx="6591600" cy="502200"/>
           </a:xfrm>
           <a:prstGeom prst="rect">
             <a:avLst/>
@@ -4118,7 +4122,7 @@
         <p:spPr>
           <a:xfrm>
             <a:off x="11450880" y="6592320"/>
-            <a:ext cx="649080" cy="231840"/>
+            <a:ext cx="648720" cy="231480"/>
           </a:xfrm>
           <a:prstGeom prst="rect">
             <a:avLst/>
@@ -4443,8 +4447,8 @@
         </p:nvSpPr>
         <p:spPr>
           <a:xfrm>
-            <a:off x="695160" y="2514600"/>
-            <a:ext cx="8904600" cy="493560"/>
+            <a:off x="695160" y="3054600"/>
+            <a:ext cx="8904240" cy="493200"/>
           </a:xfrm>
           <a:prstGeom prst="rect">
             <a:avLst/>
@@ -4473,7 +4477,7 @@
                 <a:uFillTx/>
                 <a:latin typeface="等线"/>
               </a:rPr>
-              <a:t>Setting a Course and Troubleshooting</a:t>
+              <a:t>Getting Started and Troubleshooting</a:t>
             </a:r>
             <a:endParaRPr b="0" lang="en-US" sz="4400" spc="-1" strike="noStrike">
               <a:latin typeface="Arial"/>
@@ -4520,7 +4524,7 @@
         <p:spPr>
           <a:xfrm>
             <a:off x="428760" y="71640"/>
-            <a:ext cx="10086840" cy="541080"/>
+            <a:ext cx="10086480" cy="540720"/>
           </a:xfrm>
           <a:prstGeom prst="rect">
             <a:avLst/>
@@ -4555,7 +4559,7 @@
                 <a:latin typeface="Times New Roman"/>
                 <a:ea typeface="DejaVu Sans"/>
               </a:rPr>
-              <a:t>Making Meetings more Productive</a:t>
+              <a:t>Upskilling</a:t>
             </a:r>
             <a:endParaRPr b="0" lang="en-US" sz="3200" spc="-1" strike="noStrike">
               <a:latin typeface="Arial"/>
@@ -4572,7 +4576,7 @@
         <p:spPr>
           <a:xfrm>
             <a:off x="457200" y="2057400"/>
-            <a:ext cx="4342320" cy="345240"/>
+            <a:ext cx="4341960" cy="344880"/>
           </a:xfrm>
           <a:prstGeom prst="rect">
             <a:avLst/>
@@ -4598,7 +4602,7 @@
         <p:spPr>
           <a:xfrm>
             <a:off x="457200" y="1277640"/>
-            <a:ext cx="10514520" cy="3487680"/>
+            <a:ext cx="10514160" cy="3487320"/>
           </a:xfrm>
           <a:prstGeom prst="rect">
             <a:avLst/>
@@ -4633,7 +4637,7 @@
                 <a:latin typeface="Arial"/>
                 <a:ea typeface="DejaVu Sans"/>
               </a:rPr>
-              <a:t>Each sponsor should meet w students as needed.</a:t>
+              <a:t>Ideally, the project brings together skills you’ve learned in the program.</a:t>
             </a:r>
             <a:endParaRPr b="0" lang="en-US" sz="2400" spc="-1" strike="noStrike">
               <a:latin typeface="Arial"/>
@@ -4665,7 +4669,7 @@
                 <a:latin typeface="Arial"/>
                 <a:ea typeface="DejaVu Sans"/>
               </a:rPr>
-              <a:t>Q: What if the meetings aren’t productive enough?</a:t>
+              <a:t>Q: What if I don’t have the skills to solve the problem?</a:t>
             </a:r>
             <a:endParaRPr b="0" lang="en-US" sz="2400" spc="-1" strike="noStrike">
               <a:latin typeface="Arial"/>
@@ -4697,7 +4701,7 @@
                 <a:latin typeface="Arial"/>
                 <a:ea typeface="DejaVu Sans"/>
               </a:rPr>
-              <a:t>You might try:</a:t>
+              <a:t>&gt; In some cases, you will need to learn new things</a:t>
             </a:r>
             <a:endParaRPr b="0" lang="en-US" sz="2400" spc="-1" strike="noStrike">
               <a:latin typeface="Arial"/>
@@ -4718,103 +4722,8 @@
                 <a:latin typeface="Arial"/>
                 <a:ea typeface="DejaVu Sans"/>
               </a:rPr>
-              <a:t>- Forming an agenda / agreeing on it beforehand</a:t>
-            </a:r>
-            <a:endParaRPr b="0" lang="en-US" sz="2400" spc="-1" strike="noStrike">
-              <a:latin typeface="Arial"/>
-            </a:endParaRPr>
-          </a:p>
-          <a:p>
-            <a:pPr>
-              <a:lnSpc>
-                <a:spcPct val="100000"/>
-              </a:lnSpc>
-              <a:buNone/>
-            </a:pPr>
-            <a:r>
-              <a:rPr b="0" lang="en-US" sz="2400" spc="-1" strike="noStrike">
-                <a:solidFill>
-                  <a:srgbClr val="000000"/>
-                </a:solidFill>
-                <a:latin typeface="Arial"/>
-                <a:ea typeface="DejaVu Sans"/>
-              </a:rPr>
-              <a:t>- Sharing results beforehand to discuss during meeting</a:t>
-            </a:r>
-            <a:endParaRPr b="0" lang="en-US" sz="2400" spc="-1" strike="noStrike">
-              <a:latin typeface="Arial"/>
-            </a:endParaRPr>
-          </a:p>
-          <a:p>
-            <a:pPr>
-              <a:lnSpc>
-                <a:spcPct val="100000"/>
-              </a:lnSpc>
-              <a:buNone/>
-            </a:pPr>
-            <a:r>
-              <a:rPr b="0" lang="en-US" sz="2400" spc="-1" strike="noStrike">
-                <a:solidFill>
-                  <a:srgbClr val="000000"/>
-                </a:solidFill>
-                <a:latin typeface="Arial"/>
-                <a:ea typeface="DejaVu Sans"/>
-              </a:rPr>
-              <a:t>- Decide Next Steps in the meeting</a:t>
-            </a:r>
-            <a:endParaRPr b="0" lang="en-US" sz="2400" spc="-1" strike="noStrike">
-              <a:latin typeface="Arial"/>
-            </a:endParaRPr>
-          </a:p>
-          <a:p>
-            <a:pPr>
-              <a:lnSpc>
-                <a:spcPct val="100000"/>
-              </a:lnSpc>
-              <a:buNone/>
-            </a:pPr>
-            <a:r>
-              <a:rPr b="0" lang="en-US" sz="2400" spc="-1" strike="noStrike">
-                <a:solidFill>
-                  <a:srgbClr val="000000"/>
-                </a:solidFill>
-                <a:latin typeface="Arial"/>
-                <a:ea typeface="DejaVu Sans"/>
-              </a:rPr>
-              <a:t>- Call out decision points in meeting</a:t>
-            </a:r>
-            <a:endParaRPr b="0" lang="en-US" sz="2400" spc="-1" strike="noStrike">
-              <a:latin typeface="Arial"/>
-            </a:endParaRPr>
-          </a:p>
-          <a:p>
-            <a:pPr>
-              <a:lnSpc>
-                <a:spcPct val="100000"/>
-              </a:lnSpc>
-              <a:buNone/>
-            </a:pPr>
-            <a:r>
-              <a:rPr b="0" lang="en-US" sz="2400" spc="-1" strike="noStrike">
-                <a:solidFill>
-                  <a:srgbClr val="000000"/>
-                </a:solidFill>
-                <a:latin typeface="Arial"/>
-                <a:ea typeface="DejaVu Sans"/>
-              </a:rPr>
-              <a:t>- Ask for feedback</a:t>
-            </a:r>
-            <a:endParaRPr b="0" lang="en-US" sz="2400" spc="-1" strike="noStrike">
-              <a:latin typeface="Arial"/>
-            </a:endParaRPr>
-          </a:p>
-          <a:p>
-            <a:pPr>
-              <a:lnSpc>
-                <a:spcPct val="100000"/>
-              </a:lnSpc>
-              <a:buNone/>
-            </a:pPr>
+              <a:t>&gt; Your sponsor / mentor might be able to suggest resources</a:t>
+            </a:r>
             <a:endParaRPr b="0" lang="en-US" sz="2400" spc="-1" strike="noStrike">
               <a:latin typeface="Arial"/>
             </a:endParaRPr>
@@ -4871,7 +4780,7 @@
         <p:spPr>
           <a:xfrm>
             <a:off x="428760" y="71640"/>
-            <a:ext cx="10086840" cy="541080"/>
+            <a:ext cx="10086480" cy="540720"/>
           </a:xfrm>
           <a:prstGeom prst="rect">
             <a:avLst/>
@@ -4923,7 +4832,7 @@
         <p:spPr>
           <a:xfrm>
             <a:off x="457200" y="2057400"/>
-            <a:ext cx="4342320" cy="345240"/>
+            <a:ext cx="4341960" cy="344880"/>
           </a:xfrm>
           <a:prstGeom prst="rect">
             <a:avLst/>
@@ -4949,7 +4858,7 @@
         <p:spPr>
           <a:xfrm>
             <a:off x="457200" y="1277640"/>
-            <a:ext cx="10514520" cy="3487680"/>
+            <a:ext cx="10514160" cy="3487320"/>
           </a:xfrm>
           <a:prstGeom prst="rect">
             <a:avLst/>
@@ -5071,7 +4980,93 @@
               </a:rPr>
               <a:t>&gt; Your sponsor / mentor might be able to suggest resources</a:t>
             </a:r>
-            <a:endParaRPr b="0" lang="en-US" sz="2400" spc="-1" strike="noStrike">
+            <a:br>
+              <a:rPr sz="2400"/>
+            </a:br>
+            <a:endParaRPr b="0" lang="en-US" sz="2400" spc="-1" strike="noStrike">
+              <a:latin typeface="Arial"/>
+            </a:endParaRPr>
+          </a:p>
+          <a:p>
+            <a:pPr>
+              <a:lnSpc>
+                <a:spcPct val="100000"/>
+              </a:lnSpc>
+              <a:buNone/>
+            </a:pPr>
+            <a:r>
+              <a:rPr b="0" lang="en-US" sz="2400" spc="-1" strike="noStrike">
+                <a:solidFill>
+                  <a:srgbClr val="000000"/>
+                </a:solidFill>
+                <a:latin typeface="Arial"/>
+                <a:ea typeface="DejaVu Sans"/>
+              </a:rPr>
+              <a:t>&gt; Keep a list of open questions, skills needed</a:t>
+            </a:r>
+            <a:endParaRPr b="0" lang="en-US" sz="2400" spc="-1" strike="noStrike">
+              <a:latin typeface="Arial"/>
+            </a:endParaRPr>
+          </a:p>
+          <a:p>
+            <a:pPr>
+              <a:lnSpc>
+                <a:spcPct val="100000"/>
+              </a:lnSpc>
+              <a:buNone/>
+            </a:pPr>
+            <a:r>
+              <a:rPr b="0" lang="en-US" sz="2400" spc="-1" strike="noStrike">
+                <a:solidFill>
+                  <a:srgbClr val="000000"/>
+                </a:solidFill>
+                <a:latin typeface="Arial"/>
+                <a:ea typeface="DejaVu Sans"/>
+              </a:rPr>
+              <a:t>   </a:t>
+            </a:r>
+            <a:r>
+              <a:rPr b="0" lang="en-US" sz="2400" spc="-1" strike="noStrike">
+                <a:solidFill>
+                  <a:srgbClr val="000000"/>
+                </a:solidFill>
+                <a:latin typeface="Arial"/>
+                <a:ea typeface="DejaVu Sans"/>
+              </a:rPr>
+              <a:t>Break these down into manageable tasks (e.g., learn n-gram models)</a:t>
+            </a:r>
+            <a:endParaRPr b="0" lang="en-US" sz="2400" spc="-1" strike="noStrike">
+              <a:latin typeface="Arial"/>
+            </a:endParaRPr>
+          </a:p>
+          <a:p>
+            <a:pPr>
+              <a:lnSpc>
+                <a:spcPct val="100000"/>
+              </a:lnSpc>
+              <a:buNone/>
+            </a:pPr>
+            <a:r>
+              <a:rPr b="0" lang="en-US" sz="2400" spc="-1" strike="noStrike">
+                <a:solidFill>
+                  <a:srgbClr val="000000"/>
+                </a:solidFill>
+                <a:latin typeface="Arial"/>
+                <a:ea typeface="DejaVu Sans"/>
+              </a:rPr>
+              <a:t>&gt; You might distribute the work across teammates and share learnings</a:t>
+            </a:r>
+            <a:r>
+              <a:rPr b="0" lang="en-US" sz="1800" spc="-1" strike="noStrike">
+                <a:solidFill>
+                  <a:srgbClr val="000000"/>
+                </a:solidFill>
+                <a:latin typeface="Arial"/>
+                <a:ea typeface="DejaVu Sans"/>
+              </a:rPr>
+              <a:t> </a:t>
+            </a:r>
+            <a:endParaRPr b="0" lang="en-US" sz="1800" spc="-1" strike="noStrike">
               <a:latin typeface="Arial"/>
             </a:endParaRPr>
           </a:p>
@@ -5127,7 +5122,7 @@
         <p:spPr>
           <a:xfrm>
             <a:off x="428760" y="71640"/>
-            <a:ext cx="10086840" cy="541080"/>
+            <a:ext cx="10086480" cy="540720"/>
           </a:xfrm>
           <a:prstGeom prst="rect">
             <a:avLst/>
@@ -5162,7 +5157,7 @@
                 <a:latin typeface="Times New Roman"/>
                 <a:ea typeface="DejaVu Sans"/>
               </a:rPr>
-              <a:t>Upskilling</a:t>
+              <a:t>Sparse Feedback</a:t>
             </a:r>
             <a:endParaRPr b="0" lang="en-US" sz="3200" spc="-1" strike="noStrike">
               <a:latin typeface="Arial"/>
@@ -5179,7 +5174,7 @@
         <p:spPr>
           <a:xfrm>
             <a:off x="457200" y="2057400"/>
-            <a:ext cx="4342320" cy="345240"/>
+            <a:ext cx="4341960" cy="344880"/>
           </a:xfrm>
           <a:prstGeom prst="rect">
             <a:avLst/>
@@ -5205,7 +5200,7 @@
         <p:spPr>
           <a:xfrm>
             <a:off x="457200" y="1277640"/>
-            <a:ext cx="10514520" cy="3487680"/>
+            <a:ext cx="11430000" cy="3487320"/>
           </a:xfrm>
           <a:prstGeom prst="rect">
             <a:avLst/>
@@ -5240,7 +5235,7 @@
                 <a:latin typeface="Arial"/>
                 <a:ea typeface="DejaVu Sans"/>
               </a:rPr>
-              <a:t>Ideally, the project brings together skills you’ve learned in the program.</a:t>
+              <a:t>Your mentor and sponsor should provide feedback on your work</a:t>
             </a:r>
             <a:endParaRPr b="0" lang="en-US" sz="2400" spc="-1" strike="noStrike">
               <a:latin typeface="Arial"/>
@@ -5272,7 +5267,7 @@
                 <a:latin typeface="Arial"/>
                 <a:ea typeface="DejaVu Sans"/>
               </a:rPr>
-              <a:t>Q: What if I don’t have the skills to solve the problem?</a:t>
+              <a:t>Q: What if feedback isn’t arriving often enough?</a:t>
             </a:r>
             <a:endParaRPr b="0" lang="en-US" sz="2400" spc="-1" strike="noStrike">
               <a:latin typeface="Arial"/>
@@ -5304,43 +5299,22 @@
                 <a:latin typeface="Arial"/>
                 <a:ea typeface="DejaVu Sans"/>
               </a:rPr>
-              <a:t>&gt; In some cases, you will need to learn new things</a:t>
-            </a:r>
-            <a:endParaRPr b="0" lang="en-US" sz="2400" spc="-1" strike="noStrike">
-              <a:latin typeface="Arial"/>
-            </a:endParaRPr>
-          </a:p>
-          <a:p>
-            <a:pPr>
-              <a:lnSpc>
-                <a:spcPct val="100000"/>
-              </a:lnSpc>
-              <a:buNone/>
-            </a:pPr>
-            <a:r>
-              <a:rPr b="0" lang="en-US" sz="2400" spc="-1" strike="noStrike">
-                <a:solidFill>
-                  <a:srgbClr val="000000"/>
-                </a:solidFill>
-                <a:latin typeface="Arial"/>
-                <a:ea typeface="DejaVu Sans"/>
-              </a:rPr>
-              <a:t>&gt; Your sponsor / mentor might be able to suggest resources</a:t>
-            </a:r>
+              <a:t>You can try:</a:t>
+            </a:r>
+            <a:endParaRPr b="0" lang="en-US" sz="2400" spc="-1" strike="noStrike">
+              <a:latin typeface="Arial"/>
+            </a:endParaRPr>
+          </a:p>
+          <a:p>
+            <a:pPr>
+              <a:lnSpc>
+                <a:spcPct val="100000"/>
+              </a:lnSpc>
+              <a:buNone/>
+            </a:pPr>
             <a:br>
               <a:rPr sz="2400"/>
             </a:br>
-            <a:endParaRPr b="0" lang="en-US" sz="2400" spc="-1" strike="noStrike">
-              <a:latin typeface="Arial"/>
-            </a:endParaRPr>
-          </a:p>
-          <a:p>
-            <a:pPr>
-              <a:lnSpc>
-                <a:spcPct val="100000"/>
-              </a:lnSpc>
-              <a:buNone/>
-            </a:pPr>
             <a:r>
               <a:rPr b="0" lang="en-US" sz="2400" spc="-1" strike="noStrike">
                 <a:solidFill>
@@ -5349,19 +5323,22 @@
                 <a:latin typeface="Arial"/>
                 <a:ea typeface="DejaVu Sans"/>
               </a:rPr>
-              <a:t>&gt; Keep a list of open questions, skills needed</a:t>
-            </a:r>
-            <a:endParaRPr b="0" lang="en-US" sz="2400" spc="-1" strike="noStrike">
-              <a:latin typeface="Arial"/>
-            </a:endParaRPr>
-          </a:p>
-          <a:p>
-            <a:pPr>
-              <a:lnSpc>
-                <a:spcPct val="100000"/>
-              </a:lnSpc>
-              <a:buNone/>
-            </a:pPr>
+              <a:t>&gt; Checking if there is a better medium for feedback (email, meetings, …)</a:t>
+            </a:r>
+            <a:endParaRPr b="0" lang="en-US" sz="2400" spc="-1" strike="noStrike">
+              <a:latin typeface="Arial"/>
+            </a:endParaRPr>
+          </a:p>
+          <a:p>
+            <a:pPr>
+              <a:lnSpc>
+                <a:spcPct val="100000"/>
+              </a:lnSpc>
+              <a:buNone/>
+            </a:pPr>
+            <a:br>
+              <a:rPr sz="2400"/>
+            </a:br>
             <a:r>
               <a:rPr b="0" lang="en-US" sz="2400" spc="-1" strike="noStrike">
                 <a:solidFill>
@@ -5370,8 +5347,11 @@
                 <a:latin typeface="Arial"/>
                 <a:ea typeface="DejaVu Sans"/>
               </a:rPr>
-              <a:t>   </a:t>
-            </a:r>
+              <a:t>&gt; Asking if there is a better way to share results</a:t>
+            </a:r>
+            <a:br>
+              <a:rPr sz="2400"/>
+            </a:br>
             <a:r>
               <a:rPr b="0" lang="en-US" sz="2400" spc="-1" strike="noStrike">
                 <a:solidFill>
@@ -5380,19 +5360,11 @@
                 <a:latin typeface="Arial"/>
                 <a:ea typeface="DejaVu Sans"/>
               </a:rPr>
-              <a:t>Break these down into manageable tasks (e.g., learn n-gram models)</a:t>
-            </a:r>
-            <a:endParaRPr b="0" lang="en-US" sz="2400" spc="-1" strike="noStrike">
-              <a:latin typeface="Arial"/>
-            </a:endParaRPr>
-          </a:p>
-          <a:p>
-            <a:pPr>
-              <a:lnSpc>
-                <a:spcPct val="100000"/>
-              </a:lnSpc>
-              <a:buNone/>
-            </a:pPr>
+              <a:t>   - Are questions clear enough?</a:t>
+            </a:r>
+            <a:br>
+              <a:rPr sz="2400"/>
+            </a:br>
             <a:r>
               <a:rPr b="0" lang="en-US" sz="2400" spc="-1" strike="noStrike">
                 <a:solidFill>
@@ -5401,19 +5373,1264 @@
                 <a:latin typeface="Arial"/>
                 <a:ea typeface="DejaVu Sans"/>
               </a:rPr>
-              <a:t>&gt; You might distribute the work across teammates and share learnings</a:t>
-            </a:r>
-            <a:r>
-              <a:rPr b="0" lang="en-US" sz="1800" spc="-1" strike="noStrike">
-                <a:solidFill>
-                  <a:srgbClr val="000000"/>
-                </a:solidFill>
-                <a:latin typeface="Arial"/>
-                <a:ea typeface="DejaVu Sans"/>
-              </a:rPr>
-              <a:t> </a:t>
-            </a:r>
-            <a:endParaRPr b="0" lang="en-US" sz="1800" spc="-1" strike="noStrike">
+              <a:t>   - Are things summarized? (e.g., assemble separate questions into single slide)</a:t>
+            </a:r>
+            <a:endParaRPr b="0" lang="en-US" sz="2400" spc="-1" strike="noStrike">
+              <a:latin typeface="Arial"/>
+            </a:endParaRPr>
+          </a:p>
+        </p:txBody>
+      </p:sp>
+    </p:spTree>
+  </p:cSld>
+  <mc:AlternateContent>
+    <mc:Choice Requires="p14">
+      <p:transition spd="slow" p14:dur="2000"/>
+    </mc:Choice>
+    <mc:Fallback>
+      <p:transition spd="slow"/>
+    </mc:Fallback>
+  </mc:AlternateContent>
+</p:sld>
+</file>
+
+<file path=ppt/slides/slide13.xml><?xml version="1.0" encoding="utf-8"?>
+<p:sld xmlns:a="http://schemas.openxmlformats.org/drawingml/2006/main" xmlns:p="http://schemas.openxmlformats.org/presentationml/2006/main" xmlns:r="http://schemas.openxmlformats.org/officeDocument/2006/relationships" xmlns:p14="http://schemas.microsoft.com/office/powerpoint/2010/main" xmlns:p15="http://schemas.microsoft.com/office/powerpoint/2012/main" xmlns:mc="http://schemas.openxmlformats.org/markup-compatibility/2006">
+  <p:cSld>
+    <p:spTree>
+      <p:nvGrpSpPr>
+        <p:cNvPr id="1" name=""/>
+        <p:cNvGrpSpPr/>
+        <p:nvPr/>
+      </p:nvGrpSpPr>
+      <p:grpSpPr>
+        <a:xfrm>
+          <a:off x="0" y="0"/>
+          <a:ext cx="0" cy="0"/>
+          <a:chOff x="0" y="0"/>
+          <a:chExt cx="0" cy="0"/>
+        </a:xfrm>
+      </p:grpSpPr>
+      <p:sp>
+        <p:nvSpPr>
+          <p:cNvPr id="117" name=""/>
+          <p:cNvSpPr/>
+          <p:nvPr/>
+        </p:nvSpPr>
+        <p:spPr>
+          <a:xfrm>
+            <a:off x="428760" y="71640"/>
+            <a:ext cx="10086480" cy="540720"/>
+          </a:xfrm>
+          <a:prstGeom prst="rect">
+            <a:avLst/>
+          </a:prstGeom>
+          <a:noFill/>
+          <a:ln w="0">
+            <a:noFill/>
+          </a:ln>
+        </p:spPr>
+        <p:style>
+          <a:lnRef idx="0"/>
+          <a:fillRef idx="0"/>
+          <a:effectRef idx="0"/>
+          <a:fontRef idx="minor"/>
+        </p:style>
+        <p:txBody>
+          <a:bodyPr lIns="90000" rIns="90000" tIns="45000" bIns="45000" anchor="t">
+            <a:noAutofit/>
+          </a:bodyPr>
+          <a:p>
+            <a:pPr>
+              <a:lnSpc>
+                <a:spcPct val="100000"/>
+              </a:lnSpc>
+              <a:buNone/>
+            </a:pPr>
+            <a:r>
+              <a:rPr b="0" lang="en-US" sz="3200" spc="-1" strike="noStrike">
+                <a:solidFill>
+                  <a:srgbClr val="ffffff"/>
+                </a:solidFill>
+                <a:latin typeface="Times New Roman"/>
+                <a:ea typeface="DejaVu Sans"/>
+              </a:rPr>
+              <a:t>Sparse Feedback</a:t>
+            </a:r>
+            <a:endParaRPr b="0" lang="en-US" sz="3200" spc="-1" strike="noStrike">
+              <a:latin typeface="Arial"/>
+            </a:endParaRPr>
+          </a:p>
+        </p:txBody>
+      </p:sp>
+      <p:sp>
+        <p:nvSpPr>
+          <p:cNvPr id="118" name=""/>
+          <p:cNvSpPr/>
+          <p:nvPr/>
+        </p:nvSpPr>
+        <p:spPr>
+          <a:xfrm>
+            <a:off x="457200" y="2057400"/>
+            <a:ext cx="4341960" cy="344880"/>
+          </a:xfrm>
+          <a:prstGeom prst="rect">
+            <a:avLst/>
+          </a:prstGeom>
+          <a:noFill/>
+          <a:ln w="0">
+            <a:noFill/>
+          </a:ln>
+        </p:spPr>
+        <p:style>
+          <a:lnRef idx="0"/>
+          <a:fillRef idx="0"/>
+          <a:effectRef idx="0"/>
+          <a:fontRef idx="minor"/>
+        </p:style>
+      </p:sp>
+      <p:sp>
+        <p:nvSpPr>
+          <p:cNvPr id="119" name=""/>
+          <p:cNvSpPr/>
+          <p:nvPr/>
+        </p:nvSpPr>
+        <p:spPr>
+          <a:xfrm>
+            <a:off x="457200" y="1277640"/>
+            <a:ext cx="11430000" cy="3487320"/>
+          </a:xfrm>
+          <a:prstGeom prst="rect">
+            <a:avLst/>
+          </a:prstGeom>
+          <a:noFill/>
+          <a:ln w="0">
+            <a:noFill/>
+          </a:ln>
+        </p:spPr>
+        <p:style>
+          <a:lnRef idx="0"/>
+          <a:fillRef idx="0"/>
+          <a:effectRef idx="0"/>
+          <a:fontRef idx="minor"/>
+        </p:style>
+        <p:txBody>
+          <a:bodyPr lIns="90000" rIns="90000" tIns="45000" bIns="45000" anchor="t">
+            <a:noAutofit/>
+          </a:bodyPr>
+          <a:p>
+            <a:pPr>
+              <a:lnSpc>
+                <a:spcPct val="100000"/>
+              </a:lnSpc>
+              <a:buNone/>
+            </a:pPr>
+            <a:r>
+              <a:rPr b="0" lang="en-US" sz="2400" spc="-1" strike="noStrike">
+                <a:solidFill>
+                  <a:srgbClr val="000000"/>
+                </a:solidFill>
+                <a:latin typeface="Arial"/>
+                <a:ea typeface="DejaVu Sans"/>
+              </a:rPr>
+              <a:t>Your mentor and sponsor should provide feedback on your work</a:t>
+            </a:r>
+            <a:endParaRPr b="0" lang="en-US" sz="2400" spc="-1" strike="noStrike">
+              <a:latin typeface="Arial"/>
+            </a:endParaRPr>
+          </a:p>
+          <a:p>
+            <a:pPr>
+              <a:lnSpc>
+                <a:spcPct val="100000"/>
+              </a:lnSpc>
+              <a:buNone/>
+            </a:pPr>
+            <a:endParaRPr b="0" lang="en-US" sz="2400" spc="-1" strike="noStrike">
+              <a:latin typeface="Arial"/>
+            </a:endParaRPr>
+          </a:p>
+          <a:p>
+            <a:pPr>
+              <a:lnSpc>
+                <a:spcPct val="100000"/>
+              </a:lnSpc>
+              <a:buNone/>
+            </a:pPr>
+            <a:r>
+              <a:rPr b="1" lang="en-US" sz="2400" spc="-1" strike="noStrike">
+                <a:solidFill>
+                  <a:srgbClr val="000000"/>
+                </a:solidFill>
+                <a:latin typeface="Arial"/>
+                <a:ea typeface="DejaVu Sans"/>
+              </a:rPr>
+              <a:t>Q: What if feedback isn’t arriving often enough?</a:t>
+            </a:r>
+            <a:endParaRPr b="0" lang="en-US" sz="2400" spc="-1" strike="noStrike">
+              <a:latin typeface="Arial"/>
+            </a:endParaRPr>
+          </a:p>
+          <a:p>
+            <a:pPr>
+              <a:lnSpc>
+                <a:spcPct val="100000"/>
+              </a:lnSpc>
+              <a:buNone/>
+            </a:pPr>
+            <a:endParaRPr b="0" lang="en-US" sz="2400" spc="-1" strike="noStrike">
+              <a:latin typeface="Arial"/>
+            </a:endParaRPr>
+          </a:p>
+          <a:p>
+            <a:pPr>
+              <a:lnSpc>
+                <a:spcPct val="100000"/>
+              </a:lnSpc>
+              <a:buNone/>
+            </a:pPr>
+            <a:r>
+              <a:rPr b="0" lang="en-US" sz="2400" spc="-1" strike="noStrike">
+                <a:solidFill>
+                  <a:srgbClr val="000000"/>
+                </a:solidFill>
+                <a:latin typeface="Arial"/>
+                <a:ea typeface="DejaVu Sans"/>
+              </a:rPr>
+              <a:t>You can try:</a:t>
+            </a:r>
+            <a:endParaRPr b="0" lang="en-US" sz="2400" spc="-1" strike="noStrike">
+              <a:latin typeface="Arial"/>
+            </a:endParaRPr>
+          </a:p>
+          <a:p>
+            <a:pPr>
+              <a:lnSpc>
+                <a:spcPct val="100000"/>
+              </a:lnSpc>
+              <a:buNone/>
+            </a:pPr>
+            <a:br>
+              <a:rPr sz="2400"/>
+            </a:br>
+            <a:r>
+              <a:rPr b="0" lang="en-US" sz="2400" spc="-1" strike="noStrike">
+                <a:solidFill>
+                  <a:srgbClr val="000000"/>
+                </a:solidFill>
+                <a:latin typeface="Arial"/>
+                <a:ea typeface="DejaVu Sans"/>
+              </a:rPr>
+              <a:t>&gt; Understanding if there are busier/quieter periods</a:t>
+            </a:r>
+            <a:endParaRPr b="0" lang="en-US" sz="2400" spc="-1" strike="noStrike">
+              <a:latin typeface="Arial"/>
+            </a:endParaRPr>
+          </a:p>
+          <a:p>
+            <a:pPr>
+              <a:lnSpc>
+                <a:spcPct val="100000"/>
+              </a:lnSpc>
+              <a:buNone/>
+            </a:pPr>
+            <a:br>
+              <a:rPr sz="2400"/>
+            </a:br>
+            <a:r>
+              <a:rPr b="0" lang="en-US" sz="2400" spc="-1" strike="noStrike">
+                <a:solidFill>
+                  <a:srgbClr val="000000"/>
+                </a:solidFill>
+                <a:latin typeface="Arial"/>
+                <a:ea typeface="DejaVu Sans"/>
+              </a:rPr>
+              <a:t>&gt; Working on aspects not requiring the feedback</a:t>
+            </a:r>
+            <a:endParaRPr b="0" lang="en-US" sz="2400" spc="-1" strike="noStrike">
+              <a:latin typeface="Arial"/>
+            </a:endParaRPr>
+          </a:p>
+          <a:p>
+            <a:pPr>
+              <a:lnSpc>
+                <a:spcPct val="100000"/>
+              </a:lnSpc>
+              <a:buNone/>
+            </a:pPr>
+            <a:endParaRPr b="0" lang="en-US" sz="2400" spc="-1" strike="noStrike">
+              <a:latin typeface="Arial"/>
+            </a:endParaRPr>
+          </a:p>
+        </p:txBody>
+      </p:sp>
+    </p:spTree>
+  </p:cSld>
+  <mc:AlternateContent>
+    <mc:Choice Requires="p14">
+      <p:transition spd="slow" p14:dur="2000"/>
+    </mc:Choice>
+    <mc:Fallback>
+      <p:transition spd="slow"/>
+    </mc:Fallback>
+  </mc:AlternateContent>
+</p:sld>
+</file>
+
+<file path=ppt/slides/slide14.xml><?xml version="1.0" encoding="utf-8"?>
+<p:sld xmlns:a="http://schemas.openxmlformats.org/drawingml/2006/main" xmlns:p="http://schemas.openxmlformats.org/presentationml/2006/main" xmlns:r="http://schemas.openxmlformats.org/officeDocument/2006/relationships" xmlns:p14="http://schemas.microsoft.com/office/powerpoint/2010/main" xmlns:p15="http://schemas.microsoft.com/office/powerpoint/2012/main" xmlns:mc="http://schemas.openxmlformats.org/markup-compatibility/2006">
+  <p:cSld>
+    <p:spTree>
+      <p:nvGrpSpPr>
+        <p:cNvPr id="1" name=""/>
+        <p:cNvGrpSpPr/>
+        <p:nvPr/>
+      </p:nvGrpSpPr>
+      <p:grpSpPr>
+        <a:xfrm>
+          <a:off x="0" y="0"/>
+          <a:ext cx="0" cy="0"/>
+          <a:chOff x="0" y="0"/>
+          <a:chExt cx="0" cy="0"/>
+        </a:xfrm>
+      </p:grpSpPr>
+      <p:sp>
+        <p:nvSpPr>
+          <p:cNvPr id="120" name=""/>
+          <p:cNvSpPr/>
+          <p:nvPr/>
+        </p:nvSpPr>
+        <p:spPr>
+          <a:xfrm>
+            <a:off x="428760" y="71640"/>
+            <a:ext cx="10086480" cy="540720"/>
+          </a:xfrm>
+          <a:prstGeom prst="rect">
+            <a:avLst/>
+          </a:prstGeom>
+          <a:noFill/>
+          <a:ln w="0">
+            <a:noFill/>
+          </a:ln>
+        </p:spPr>
+        <p:style>
+          <a:lnRef idx="0"/>
+          <a:fillRef idx="0"/>
+          <a:effectRef idx="0"/>
+          <a:fontRef idx="minor"/>
+        </p:style>
+        <p:txBody>
+          <a:bodyPr lIns="90000" rIns="90000" tIns="45000" bIns="45000" anchor="t">
+            <a:noAutofit/>
+          </a:bodyPr>
+          <a:p>
+            <a:pPr>
+              <a:lnSpc>
+                <a:spcPct val="100000"/>
+              </a:lnSpc>
+              <a:buNone/>
+            </a:pPr>
+            <a:r>
+              <a:rPr b="0" lang="en-US" sz="3200" spc="-1" strike="noStrike">
+                <a:solidFill>
+                  <a:srgbClr val="ffffff"/>
+                </a:solidFill>
+                <a:latin typeface="Times New Roman"/>
+                <a:ea typeface="DejaVu Sans"/>
+              </a:rPr>
+              <a:t>Model Doesn’t Generalize</a:t>
+            </a:r>
+            <a:endParaRPr b="0" lang="en-US" sz="3200" spc="-1" strike="noStrike">
+              <a:latin typeface="Arial"/>
+            </a:endParaRPr>
+          </a:p>
+        </p:txBody>
+      </p:sp>
+      <p:sp>
+        <p:nvSpPr>
+          <p:cNvPr id="121" name=""/>
+          <p:cNvSpPr/>
+          <p:nvPr/>
+        </p:nvSpPr>
+        <p:spPr>
+          <a:xfrm>
+            <a:off x="457200" y="2057400"/>
+            <a:ext cx="4341960" cy="344880"/>
+          </a:xfrm>
+          <a:prstGeom prst="rect">
+            <a:avLst/>
+          </a:prstGeom>
+          <a:noFill/>
+          <a:ln w="0">
+            <a:noFill/>
+          </a:ln>
+        </p:spPr>
+        <p:style>
+          <a:lnRef idx="0"/>
+          <a:fillRef idx="0"/>
+          <a:effectRef idx="0"/>
+          <a:fontRef idx="minor"/>
+        </p:style>
+      </p:sp>
+      <p:sp>
+        <p:nvSpPr>
+          <p:cNvPr id="122" name=""/>
+          <p:cNvSpPr/>
+          <p:nvPr/>
+        </p:nvSpPr>
+        <p:spPr>
+          <a:xfrm>
+            <a:off x="457200" y="1277640"/>
+            <a:ext cx="10514160" cy="3487320"/>
+          </a:xfrm>
+          <a:prstGeom prst="rect">
+            <a:avLst/>
+          </a:prstGeom>
+          <a:noFill/>
+          <a:ln w="0">
+            <a:noFill/>
+          </a:ln>
+        </p:spPr>
+        <p:style>
+          <a:lnRef idx="0"/>
+          <a:fillRef idx="0"/>
+          <a:effectRef idx="0"/>
+          <a:fontRef idx="minor"/>
+        </p:style>
+        <p:txBody>
+          <a:bodyPr lIns="90000" rIns="90000" tIns="45000" bIns="45000" anchor="t">
+            <a:noAutofit/>
+          </a:bodyPr>
+          <a:p>
+            <a:pPr>
+              <a:lnSpc>
+                <a:spcPct val="100000"/>
+              </a:lnSpc>
+              <a:buNone/>
+            </a:pPr>
+            <a:r>
+              <a:rPr b="0" lang="en-US" sz="2400" spc="-1" strike="noStrike">
+                <a:solidFill>
+                  <a:srgbClr val="000000"/>
+                </a:solidFill>
+                <a:latin typeface="Arial"/>
+                <a:ea typeface="DejaVu Sans"/>
+              </a:rPr>
+              <a:t>You’ve built a model on training data</a:t>
+            </a:r>
+            <a:endParaRPr b="0" lang="en-US" sz="2400" spc="-1" strike="noStrike">
+              <a:latin typeface="Arial"/>
+            </a:endParaRPr>
+          </a:p>
+          <a:p>
+            <a:pPr>
+              <a:lnSpc>
+                <a:spcPct val="100000"/>
+              </a:lnSpc>
+              <a:buNone/>
+            </a:pPr>
+            <a:r>
+              <a:rPr b="0" lang="en-US" sz="2400" spc="-1" strike="noStrike">
+                <a:solidFill>
+                  <a:srgbClr val="000000"/>
+                </a:solidFill>
+                <a:latin typeface="Arial"/>
+                <a:ea typeface="DejaVu Sans"/>
+              </a:rPr>
+              <a:t>The performance on new data is worse</a:t>
+            </a:r>
+            <a:endParaRPr b="0" lang="en-US" sz="2400" spc="-1" strike="noStrike">
+              <a:latin typeface="Arial"/>
+            </a:endParaRPr>
+          </a:p>
+          <a:p>
+            <a:pPr>
+              <a:lnSpc>
+                <a:spcPct val="100000"/>
+              </a:lnSpc>
+              <a:buNone/>
+            </a:pPr>
+            <a:endParaRPr b="0" lang="en-US" sz="2400" spc="-1" strike="noStrike">
+              <a:latin typeface="Arial"/>
+            </a:endParaRPr>
+          </a:p>
+          <a:p>
+            <a:pPr>
+              <a:lnSpc>
+                <a:spcPct val="100000"/>
+              </a:lnSpc>
+              <a:buNone/>
+            </a:pPr>
+            <a:r>
+              <a:rPr b="1" lang="en-US" sz="2400" spc="-1" strike="noStrike">
+                <a:solidFill>
+                  <a:srgbClr val="000000"/>
+                </a:solidFill>
+                <a:latin typeface="Arial"/>
+                <a:ea typeface="DejaVu Sans"/>
+              </a:rPr>
+              <a:t>Q: Why does my model perform much worse on new data?</a:t>
+            </a:r>
+            <a:endParaRPr b="0" lang="en-US" sz="2400" spc="-1" strike="noStrike">
+              <a:latin typeface="Arial"/>
+            </a:endParaRPr>
+          </a:p>
+          <a:p>
+            <a:pPr>
+              <a:lnSpc>
+                <a:spcPct val="100000"/>
+              </a:lnSpc>
+              <a:buNone/>
+            </a:pPr>
+            <a:endParaRPr b="0" lang="en-US" sz="2400" spc="-1" strike="noStrike">
+              <a:latin typeface="Arial"/>
+            </a:endParaRPr>
+          </a:p>
+          <a:p>
+            <a:pPr>
+              <a:lnSpc>
+                <a:spcPct val="100000"/>
+              </a:lnSpc>
+              <a:buNone/>
+            </a:pPr>
+            <a:r>
+              <a:rPr b="0" lang="en-US" sz="2400" spc="-1" strike="noStrike">
+                <a:solidFill>
+                  <a:srgbClr val="000000"/>
+                </a:solidFill>
+                <a:latin typeface="Arial"/>
+                <a:ea typeface="DejaVu Sans"/>
+              </a:rPr>
+              <a:t>This is usually a symptom of overfitting. Can consider:</a:t>
+            </a:r>
+            <a:br>
+              <a:rPr sz="2400"/>
+            </a:br>
+            <a:r>
+              <a:rPr b="0" lang="en-US" sz="2400" spc="-1" strike="noStrike">
+                <a:solidFill>
+                  <a:srgbClr val="000000"/>
+                </a:solidFill>
+                <a:latin typeface="Arial"/>
+                <a:ea typeface="DejaVu Sans"/>
+              </a:rPr>
+              <a:t>- k-fold cross validation (for ML models)</a:t>
+            </a:r>
+            <a:br>
+              <a:rPr sz="2400"/>
+            </a:br>
+            <a:r>
+              <a:rPr b="0" lang="en-US" sz="2400" spc="-1" strike="noStrike">
+                <a:solidFill>
+                  <a:srgbClr val="000000"/>
+                </a:solidFill>
+                <a:latin typeface="Arial"/>
+                <a:ea typeface="DejaVu Sans"/>
+              </a:rPr>
+              <a:t>- Dropout layers (for deep neural networks)</a:t>
+            </a:r>
+            <a:br>
+              <a:rPr sz="2400"/>
+            </a:br>
+            <a:r>
+              <a:rPr b="0" lang="en-US" sz="2400" spc="-1" strike="noStrike">
+                <a:solidFill>
+                  <a:srgbClr val="000000"/>
+                </a:solidFill>
+                <a:latin typeface="Arial"/>
+                <a:ea typeface="DejaVu Sans"/>
+              </a:rPr>
+              <a:t>- More suitable data (larger dataset, more recent data)</a:t>
+            </a:r>
+            <a:endParaRPr b="0" lang="en-US" sz="2400" spc="-1" strike="noStrike">
+              <a:latin typeface="Arial"/>
+            </a:endParaRPr>
+          </a:p>
+          <a:p>
+            <a:pPr>
+              <a:lnSpc>
+                <a:spcPct val="100000"/>
+              </a:lnSpc>
+              <a:buNone/>
+            </a:pPr>
+            <a:r>
+              <a:rPr b="0" lang="en-US" sz="2400" spc="-1" strike="noStrike">
+                <a:solidFill>
+                  <a:srgbClr val="000000"/>
+                </a:solidFill>
+                <a:latin typeface="Arial"/>
+                <a:ea typeface="DejaVu Sans"/>
+              </a:rPr>
+              <a:t>- Looking at the distribution of training data, new data. </a:t>
+            </a:r>
+            <a:br>
+              <a:rPr sz="2400"/>
+            </a:br>
+            <a:r>
+              <a:rPr b="0" lang="en-US" sz="2400" spc="-1" strike="noStrike">
+                <a:solidFill>
+                  <a:srgbClr val="000000"/>
+                </a:solidFill>
+                <a:latin typeface="Arial"/>
+                <a:ea typeface="DejaVu Sans"/>
+              </a:rPr>
+              <a:t>  Is there drift in distribution? If so, training set isn’t sufficient.</a:t>
+            </a:r>
+            <a:endParaRPr b="0" lang="en-US" sz="2400" spc="-1" strike="noStrike">
+              <a:latin typeface="Arial"/>
+            </a:endParaRPr>
+          </a:p>
+        </p:txBody>
+      </p:sp>
+    </p:spTree>
+  </p:cSld>
+  <mc:AlternateContent>
+    <mc:Choice Requires="p14">
+      <p:transition spd="slow" p14:dur="2000"/>
+    </mc:Choice>
+    <mc:Fallback>
+      <p:transition spd="slow"/>
+    </mc:Fallback>
+  </mc:AlternateContent>
+</p:sld>
+</file>
+
+<file path=ppt/slides/slide15.xml><?xml version="1.0" encoding="utf-8"?>
+<p:sld xmlns:a="http://schemas.openxmlformats.org/drawingml/2006/main" xmlns:p="http://schemas.openxmlformats.org/presentationml/2006/main" xmlns:r="http://schemas.openxmlformats.org/officeDocument/2006/relationships" xmlns:p14="http://schemas.microsoft.com/office/powerpoint/2010/main" xmlns:p15="http://schemas.microsoft.com/office/powerpoint/2012/main" xmlns:mc="http://schemas.openxmlformats.org/markup-compatibility/2006">
+  <p:cSld>
+    <p:spTree>
+      <p:nvGrpSpPr>
+        <p:cNvPr id="1" name=""/>
+        <p:cNvGrpSpPr/>
+        <p:nvPr/>
+      </p:nvGrpSpPr>
+      <p:grpSpPr>
+        <a:xfrm>
+          <a:off x="0" y="0"/>
+          <a:ext cx="0" cy="0"/>
+          <a:chOff x="0" y="0"/>
+          <a:chExt cx="0" cy="0"/>
+        </a:xfrm>
+      </p:grpSpPr>
+      <p:sp>
+        <p:nvSpPr>
+          <p:cNvPr id="123" name=""/>
+          <p:cNvSpPr/>
+          <p:nvPr/>
+        </p:nvSpPr>
+        <p:spPr>
+          <a:xfrm>
+            <a:off x="428760" y="71640"/>
+            <a:ext cx="10086480" cy="540720"/>
+          </a:xfrm>
+          <a:prstGeom prst="rect">
+            <a:avLst/>
+          </a:prstGeom>
+          <a:noFill/>
+          <a:ln w="0">
+            <a:noFill/>
+          </a:ln>
+        </p:spPr>
+        <p:style>
+          <a:lnRef idx="0"/>
+          <a:fillRef idx="0"/>
+          <a:effectRef idx="0"/>
+          <a:fontRef idx="minor"/>
+        </p:style>
+        <p:txBody>
+          <a:bodyPr lIns="90000" rIns="90000" tIns="45000" bIns="45000" anchor="t">
+            <a:noAutofit/>
+          </a:bodyPr>
+          <a:p>
+            <a:pPr>
+              <a:lnSpc>
+                <a:spcPct val="100000"/>
+              </a:lnSpc>
+              <a:buNone/>
+            </a:pPr>
+            <a:r>
+              <a:rPr b="0" lang="en-US" sz="3200" spc="-1" strike="noStrike">
+                <a:solidFill>
+                  <a:srgbClr val="ffffff"/>
+                </a:solidFill>
+                <a:latin typeface="Times New Roman"/>
+                <a:ea typeface="DejaVu Sans"/>
+              </a:rPr>
+              <a:t>Unstable Model</a:t>
+            </a:r>
+            <a:endParaRPr b="0" lang="en-US" sz="3200" spc="-1" strike="noStrike">
+              <a:latin typeface="Arial"/>
+            </a:endParaRPr>
+          </a:p>
+        </p:txBody>
+      </p:sp>
+      <p:sp>
+        <p:nvSpPr>
+          <p:cNvPr id="124" name=""/>
+          <p:cNvSpPr/>
+          <p:nvPr/>
+        </p:nvSpPr>
+        <p:spPr>
+          <a:xfrm>
+            <a:off x="457200" y="2057400"/>
+            <a:ext cx="4341960" cy="344880"/>
+          </a:xfrm>
+          <a:prstGeom prst="rect">
+            <a:avLst/>
+          </a:prstGeom>
+          <a:noFill/>
+          <a:ln w="0">
+            <a:noFill/>
+          </a:ln>
+        </p:spPr>
+        <p:style>
+          <a:lnRef idx="0"/>
+          <a:fillRef idx="0"/>
+          <a:effectRef idx="0"/>
+          <a:fontRef idx="minor"/>
+        </p:style>
+      </p:sp>
+      <p:sp>
+        <p:nvSpPr>
+          <p:cNvPr id="125" name=""/>
+          <p:cNvSpPr/>
+          <p:nvPr/>
+        </p:nvSpPr>
+        <p:spPr>
+          <a:xfrm>
+            <a:off x="457200" y="1277640"/>
+            <a:ext cx="10514160" cy="3487320"/>
+          </a:xfrm>
+          <a:prstGeom prst="rect">
+            <a:avLst/>
+          </a:prstGeom>
+          <a:noFill/>
+          <a:ln w="0">
+            <a:noFill/>
+          </a:ln>
+        </p:spPr>
+        <p:style>
+          <a:lnRef idx="0"/>
+          <a:fillRef idx="0"/>
+          <a:effectRef idx="0"/>
+          <a:fontRef idx="minor"/>
+        </p:style>
+        <p:txBody>
+          <a:bodyPr lIns="90000" rIns="90000" tIns="45000" bIns="45000" anchor="t">
+            <a:noAutofit/>
+          </a:bodyPr>
+          <a:p>
+            <a:pPr>
+              <a:lnSpc>
+                <a:spcPct val="100000"/>
+              </a:lnSpc>
+              <a:buNone/>
+            </a:pPr>
+            <a:r>
+              <a:rPr b="0" lang="en-US" sz="2400" spc="-1" strike="noStrike">
+                <a:solidFill>
+                  <a:srgbClr val="000000"/>
+                </a:solidFill>
+                <a:latin typeface="Arial"/>
+                <a:ea typeface="DejaVu Sans"/>
+              </a:rPr>
+              <a:t>You’ve built a model</a:t>
+            </a:r>
+            <a:endParaRPr b="0" lang="en-US" sz="2400" spc="-1" strike="noStrike">
+              <a:latin typeface="Arial"/>
+            </a:endParaRPr>
+          </a:p>
+          <a:p>
+            <a:pPr>
+              <a:lnSpc>
+                <a:spcPct val="100000"/>
+              </a:lnSpc>
+              <a:buNone/>
+            </a:pPr>
+            <a:r>
+              <a:rPr b="0" lang="en-US" sz="2400" spc="-1" strike="noStrike">
+                <a:solidFill>
+                  <a:srgbClr val="000000"/>
+                </a:solidFill>
+                <a:latin typeface="Arial"/>
+                <a:ea typeface="DejaVu Sans"/>
+              </a:rPr>
+              <a:t>When you change hyperparameters slightly, the results change drastically</a:t>
+            </a:r>
+            <a:endParaRPr b="0" lang="en-US" sz="2400" spc="-1" strike="noStrike">
+              <a:latin typeface="Arial"/>
+            </a:endParaRPr>
+          </a:p>
+          <a:p>
+            <a:pPr>
+              <a:lnSpc>
+                <a:spcPct val="100000"/>
+              </a:lnSpc>
+              <a:buNone/>
+            </a:pPr>
+            <a:endParaRPr b="0" lang="en-US" sz="2400" spc="-1" strike="noStrike">
+              <a:latin typeface="Arial"/>
+            </a:endParaRPr>
+          </a:p>
+          <a:p>
+            <a:pPr>
+              <a:lnSpc>
+                <a:spcPct val="100000"/>
+              </a:lnSpc>
+              <a:buNone/>
+            </a:pPr>
+            <a:r>
+              <a:rPr b="1" lang="en-US" sz="2400" spc="-1" strike="noStrike">
+                <a:solidFill>
+                  <a:srgbClr val="000000"/>
+                </a:solidFill>
+                <a:latin typeface="Arial"/>
+                <a:ea typeface="DejaVu Sans"/>
+              </a:rPr>
+              <a:t>Q: Why is my model so unstable?</a:t>
+            </a:r>
+            <a:endParaRPr b="0" lang="en-US" sz="2400" spc="-1" strike="noStrike">
+              <a:latin typeface="Arial"/>
+            </a:endParaRPr>
+          </a:p>
+          <a:p>
+            <a:pPr>
+              <a:lnSpc>
+                <a:spcPct val="100000"/>
+              </a:lnSpc>
+              <a:buNone/>
+            </a:pPr>
+            <a:endParaRPr b="0" lang="en-US" sz="2400" spc="-1" strike="noStrike">
+              <a:latin typeface="Arial"/>
+            </a:endParaRPr>
+          </a:p>
+          <a:p>
+            <a:pPr>
+              <a:lnSpc>
+                <a:spcPct val="100000"/>
+              </a:lnSpc>
+              <a:buNone/>
+            </a:pPr>
+            <a:r>
+              <a:rPr b="0" lang="en-US" sz="2400" spc="-1" strike="noStrike">
+                <a:solidFill>
+                  <a:srgbClr val="000000"/>
+                </a:solidFill>
+                <a:latin typeface="Arial"/>
+                <a:ea typeface="DejaVu Sans"/>
+              </a:rPr>
+              <a:t>While we tune models for better performance,</a:t>
+            </a:r>
+            <a:endParaRPr b="0" lang="en-US" sz="2400" spc="-1" strike="noStrike">
+              <a:latin typeface="Arial"/>
+            </a:endParaRPr>
+          </a:p>
+          <a:p>
+            <a:pPr>
+              <a:lnSpc>
+                <a:spcPct val="100000"/>
+              </a:lnSpc>
+              <a:buNone/>
+            </a:pPr>
+            <a:r>
+              <a:rPr b="0" lang="en-US" sz="2400" spc="-1" strike="noStrike">
+                <a:solidFill>
+                  <a:srgbClr val="000000"/>
+                </a:solidFill>
+                <a:latin typeface="Arial"/>
+                <a:ea typeface="DejaVu Sans"/>
+              </a:rPr>
+              <a:t>a drastic change in output is not desireable</a:t>
+            </a:r>
+            <a:endParaRPr b="0" lang="en-US" sz="2400" spc="-1" strike="noStrike">
+              <a:latin typeface="Arial"/>
+            </a:endParaRPr>
+          </a:p>
+          <a:p>
+            <a:pPr>
+              <a:lnSpc>
+                <a:spcPct val="100000"/>
+              </a:lnSpc>
+              <a:buNone/>
+            </a:pPr>
+            <a:endParaRPr b="0" lang="en-US" sz="2400" spc="-1" strike="noStrike">
+              <a:latin typeface="Arial"/>
+            </a:endParaRPr>
+          </a:p>
+          <a:p>
+            <a:pPr>
+              <a:lnSpc>
+                <a:spcPct val="100000"/>
+              </a:lnSpc>
+              <a:buNone/>
+            </a:pPr>
+            <a:r>
+              <a:rPr b="0" lang="en-US" sz="2400" spc="-1" strike="noStrike">
+                <a:solidFill>
+                  <a:srgbClr val="000000"/>
+                </a:solidFill>
+                <a:latin typeface="Arial"/>
+                <a:ea typeface="DejaVu Sans"/>
+              </a:rPr>
+              <a:t>&gt; The model may be too complex</a:t>
+            </a:r>
+            <a:endParaRPr b="0" lang="en-US" sz="2400" spc="-1" strike="noStrike">
+              <a:latin typeface="Arial"/>
+            </a:endParaRPr>
+          </a:p>
+          <a:p>
+            <a:pPr>
+              <a:lnSpc>
+                <a:spcPct val="100000"/>
+              </a:lnSpc>
+              <a:buNone/>
+            </a:pPr>
+            <a:r>
+              <a:rPr b="0" lang="en-US" sz="2400" spc="-1" strike="noStrike">
+                <a:solidFill>
+                  <a:srgbClr val="000000"/>
+                </a:solidFill>
+                <a:latin typeface="Arial"/>
+                <a:ea typeface="DejaVu Sans"/>
+              </a:rPr>
+              <a:t>Can try simpler model and examine sensitivity</a:t>
+            </a:r>
+            <a:endParaRPr b="0" lang="en-US" sz="2400" spc="-1" strike="noStrike">
+              <a:latin typeface="Arial"/>
+            </a:endParaRPr>
+          </a:p>
+          <a:p>
+            <a:pPr>
+              <a:lnSpc>
+                <a:spcPct val="100000"/>
+              </a:lnSpc>
+              <a:buNone/>
+            </a:pPr>
+            <a:endParaRPr b="0" lang="en-US" sz="2400" spc="-1" strike="noStrike">
+              <a:latin typeface="Arial"/>
+            </a:endParaRPr>
+          </a:p>
+          <a:p>
+            <a:pPr>
+              <a:lnSpc>
+                <a:spcPct val="100000"/>
+              </a:lnSpc>
+              <a:buNone/>
+            </a:pPr>
+            <a:r>
+              <a:rPr b="0" lang="en-US" sz="2400" spc="-1" strike="noStrike">
+                <a:solidFill>
+                  <a:srgbClr val="000000"/>
+                </a:solidFill>
+                <a:latin typeface="Arial"/>
+                <a:ea typeface="DejaVu Sans"/>
+              </a:rPr>
+              <a:t>&gt; Did you cross validate the model? This is a good practice when feasible</a:t>
+            </a:r>
+            <a:endParaRPr b="0" lang="en-US" sz="2400" spc="-1" strike="noStrike">
+              <a:latin typeface="Arial"/>
+            </a:endParaRPr>
+          </a:p>
+        </p:txBody>
+      </p:sp>
+    </p:spTree>
+  </p:cSld>
+  <mc:AlternateContent>
+    <mc:Choice Requires="p14">
+      <p:transition spd="slow" p14:dur="2000"/>
+    </mc:Choice>
+    <mc:Fallback>
+      <p:transition spd="slow"/>
+    </mc:Fallback>
+  </mc:AlternateContent>
+</p:sld>
+</file>
+
+<file path=ppt/slides/slide16.xml><?xml version="1.0" encoding="utf-8"?>
+<p:sld xmlns:a="http://schemas.openxmlformats.org/drawingml/2006/main" xmlns:p="http://schemas.openxmlformats.org/presentationml/2006/main" xmlns:r="http://schemas.openxmlformats.org/officeDocument/2006/relationships" xmlns:p14="http://schemas.microsoft.com/office/powerpoint/2010/main" xmlns:p15="http://schemas.microsoft.com/office/powerpoint/2012/main" xmlns:mc="http://schemas.openxmlformats.org/markup-compatibility/2006">
+  <p:cSld>
+    <p:spTree>
+      <p:nvGrpSpPr>
+        <p:cNvPr id="1" name=""/>
+        <p:cNvGrpSpPr/>
+        <p:nvPr/>
+      </p:nvGrpSpPr>
+      <p:grpSpPr>
+        <a:xfrm>
+          <a:off x="0" y="0"/>
+          <a:ext cx="0" cy="0"/>
+          <a:chOff x="0" y="0"/>
+          <a:chExt cx="0" cy="0"/>
+        </a:xfrm>
+      </p:grpSpPr>
+      <p:sp>
+        <p:nvSpPr>
+          <p:cNvPr id="126" name=""/>
+          <p:cNvSpPr/>
+          <p:nvPr/>
+        </p:nvSpPr>
+        <p:spPr>
+          <a:xfrm>
+            <a:off x="428760" y="71640"/>
+            <a:ext cx="10086480" cy="540720"/>
+          </a:xfrm>
+          <a:prstGeom prst="rect">
+            <a:avLst/>
+          </a:prstGeom>
+          <a:noFill/>
+          <a:ln w="0">
+            <a:noFill/>
+          </a:ln>
+        </p:spPr>
+        <p:style>
+          <a:lnRef idx="0"/>
+          <a:fillRef idx="0"/>
+          <a:effectRef idx="0"/>
+          <a:fontRef idx="minor"/>
+        </p:style>
+        <p:txBody>
+          <a:bodyPr lIns="90000" rIns="90000" tIns="45000" bIns="45000" anchor="t">
+            <a:noAutofit/>
+          </a:bodyPr>
+          <a:p>
+            <a:pPr>
+              <a:lnSpc>
+                <a:spcPct val="100000"/>
+              </a:lnSpc>
+              <a:buNone/>
+            </a:pPr>
+            <a:r>
+              <a:rPr b="0" lang="en-US" sz="3200" spc="-1" strike="noStrike">
+                <a:solidFill>
+                  <a:srgbClr val="ffffff"/>
+                </a:solidFill>
+                <a:latin typeface="Times New Roman"/>
+                <a:ea typeface="DejaVu Sans"/>
+              </a:rPr>
+              <a:t>Final Thoughts</a:t>
+            </a:r>
+            <a:endParaRPr b="0" lang="en-US" sz="3200" spc="-1" strike="noStrike">
+              <a:latin typeface="Arial"/>
+            </a:endParaRPr>
+          </a:p>
+        </p:txBody>
+      </p:sp>
+      <p:sp>
+        <p:nvSpPr>
+          <p:cNvPr id="127" name=""/>
+          <p:cNvSpPr/>
+          <p:nvPr/>
+        </p:nvSpPr>
+        <p:spPr>
+          <a:xfrm>
+            <a:off x="457200" y="2057400"/>
+            <a:ext cx="4341960" cy="344880"/>
+          </a:xfrm>
+          <a:prstGeom prst="rect">
+            <a:avLst/>
+          </a:prstGeom>
+          <a:noFill/>
+          <a:ln w="0">
+            <a:noFill/>
+          </a:ln>
+        </p:spPr>
+        <p:style>
+          <a:lnRef idx="0"/>
+          <a:fillRef idx="0"/>
+          <a:effectRef idx="0"/>
+          <a:fontRef idx="minor"/>
+        </p:style>
+      </p:sp>
+      <p:sp>
+        <p:nvSpPr>
+          <p:cNvPr id="128" name=""/>
+          <p:cNvSpPr/>
+          <p:nvPr/>
+        </p:nvSpPr>
+        <p:spPr>
+          <a:xfrm>
+            <a:off x="457200" y="1277640"/>
+            <a:ext cx="10514160" cy="3487320"/>
+          </a:xfrm>
+          <a:prstGeom prst="rect">
+            <a:avLst/>
+          </a:prstGeom>
+          <a:noFill/>
+          <a:ln w="0">
+            <a:noFill/>
+          </a:ln>
+        </p:spPr>
+        <p:style>
+          <a:lnRef idx="0"/>
+          <a:fillRef idx="0"/>
+          <a:effectRef idx="0"/>
+          <a:fontRef idx="minor"/>
+        </p:style>
+        <p:txBody>
+          <a:bodyPr lIns="90000" rIns="90000" tIns="45000" bIns="45000" anchor="t">
+            <a:noAutofit/>
+          </a:bodyPr>
+          <a:p>
+            <a:pPr>
+              <a:lnSpc>
+                <a:spcPct val="100000"/>
+              </a:lnSpc>
+              <a:buNone/>
+            </a:pPr>
+            <a:r>
+              <a:rPr b="0" lang="en-US" sz="2400" spc="-1" strike="noStrike">
+                <a:solidFill>
+                  <a:srgbClr val="000000"/>
+                </a:solidFill>
+                <a:latin typeface="Arial"/>
+                <a:ea typeface="DejaVu Sans"/>
+              </a:rPr>
+              <a:t>You have a support system to help you through capstones including:</a:t>
+            </a:r>
+            <a:br>
+              <a:rPr sz="2400"/>
+            </a:br>
+            <a:endParaRPr b="0" lang="en-US" sz="2400" spc="-1" strike="noStrike">
+              <a:latin typeface="Arial"/>
+            </a:endParaRPr>
+          </a:p>
+          <a:p>
+            <a:pPr>
+              <a:lnSpc>
+                <a:spcPct val="100000"/>
+              </a:lnSpc>
+              <a:buNone/>
+            </a:pPr>
+            <a:r>
+              <a:rPr b="0" lang="en-US" sz="2400" spc="-1" strike="noStrike">
+                <a:solidFill>
+                  <a:srgbClr val="000000"/>
+                </a:solidFill>
+                <a:latin typeface="Arial"/>
+                <a:ea typeface="DejaVu Sans"/>
+              </a:rPr>
+              <a:t>- teammates</a:t>
+            </a:r>
+            <a:br>
+              <a:rPr sz="2400"/>
+            </a:br>
+            <a:r>
+              <a:rPr b="0" lang="en-US" sz="2400" spc="-1" strike="noStrike">
+                <a:solidFill>
+                  <a:srgbClr val="000000"/>
+                </a:solidFill>
+                <a:latin typeface="Arial"/>
+                <a:ea typeface="DejaVu Sans"/>
+              </a:rPr>
+              <a:t>- sponsor</a:t>
+            </a:r>
+            <a:endParaRPr b="0" lang="en-US" sz="2400" spc="-1" strike="noStrike">
+              <a:latin typeface="Arial"/>
+            </a:endParaRPr>
+          </a:p>
+          <a:p>
+            <a:pPr>
+              <a:lnSpc>
+                <a:spcPct val="100000"/>
+              </a:lnSpc>
+              <a:buNone/>
+            </a:pPr>
+            <a:r>
+              <a:rPr b="0" lang="en-US" sz="2400" spc="-1" strike="noStrike">
+                <a:solidFill>
+                  <a:srgbClr val="000000"/>
+                </a:solidFill>
+                <a:latin typeface="Arial"/>
+                <a:ea typeface="DejaVu Sans"/>
+              </a:rPr>
+              <a:t>- faculty mentor</a:t>
+            </a:r>
+            <a:endParaRPr b="0" lang="en-US" sz="2400" spc="-1" strike="noStrike">
+              <a:latin typeface="Arial"/>
+            </a:endParaRPr>
+          </a:p>
+          <a:p>
+            <a:pPr>
+              <a:lnSpc>
+                <a:spcPct val="100000"/>
+              </a:lnSpc>
+              <a:buNone/>
+            </a:pPr>
+            <a:r>
+              <a:rPr b="0" lang="en-US" sz="2400" spc="-1" strike="noStrike">
+                <a:solidFill>
+                  <a:srgbClr val="000000"/>
+                </a:solidFill>
+                <a:latin typeface="Arial"/>
+                <a:ea typeface="DejaVu Sans"/>
+              </a:rPr>
+              <a:t>- Program Director (Adam Tashman)</a:t>
+            </a:r>
+            <a:endParaRPr b="0" lang="en-US" sz="2400" spc="-1" strike="noStrike">
+              <a:latin typeface="Arial"/>
+            </a:endParaRPr>
+          </a:p>
+          <a:p>
+            <a:pPr>
+              <a:lnSpc>
+                <a:spcPct val="100000"/>
+              </a:lnSpc>
+              <a:buNone/>
+            </a:pPr>
+            <a:r>
+              <a:rPr b="0" lang="en-US" sz="2400" spc="-1" strike="noStrike">
+                <a:solidFill>
+                  <a:srgbClr val="000000"/>
+                </a:solidFill>
+                <a:latin typeface="Arial"/>
+                <a:ea typeface="DejaVu Sans"/>
+              </a:rPr>
+              <a:t>- Program Manager (Kylen Baskerville)</a:t>
+            </a:r>
+            <a:endParaRPr b="0" lang="en-US" sz="2400" spc="-1" strike="noStrike">
+              <a:latin typeface="Arial"/>
+            </a:endParaRPr>
+          </a:p>
+          <a:p>
+            <a:pPr>
+              <a:lnSpc>
+                <a:spcPct val="100000"/>
+              </a:lnSpc>
+              <a:buNone/>
+            </a:pPr>
+            <a:endParaRPr b="0" lang="en-US" sz="2400" spc="-1" strike="noStrike">
+              <a:latin typeface="Arial"/>
+            </a:endParaRPr>
+          </a:p>
+          <a:p>
+            <a:pPr>
+              <a:lnSpc>
+                <a:spcPct val="100000"/>
+              </a:lnSpc>
+              <a:buNone/>
+            </a:pPr>
+            <a:r>
+              <a:rPr b="0" lang="en-US" sz="2400" spc="-1" strike="noStrike">
+                <a:solidFill>
+                  <a:srgbClr val="000000"/>
+                </a:solidFill>
+                <a:latin typeface="Arial"/>
+                <a:ea typeface="DejaVu Sans"/>
+              </a:rPr>
+              <a:t>Please lean on that system for help!</a:t>
+            </a:r>
+            <a:endParaRPr b="0" lang="en-US" sz="2400" spc="-1" strike="noStrike">
+              <a:latin typeface="Arial"/>
+            </a:endParaRPr>
+          </a:p>
+          <a:p>
+            <a:pPr>
+              <a:lnSpc>
+                <a:spcPct val="100000"/>
+              </a:lnSpc>
+              <a:buNone/>
+            </a:pPr>
+            <a:endParaRPr b="0" lang="en-US" sz="2400" spc="-1" strike="noStrike">
               <a:latin typeface="Arial"/>
             </a:endParaRPr>
           </a:p>
@@ -5469,7 +6686,7 @@
         <p:spPr>
           <a:xfrm>
             <a:off x="428760" y="71640"/>
-            <a:ext cx="3335760" cy="541080"/>
+            <a:ext cx="6428880" cy="540720"/>
           </a:xfrm>
           <a:prstGeom prst="rect">
             <a:avLst/>
@@ -5504,7 +6721,7 @@
                 <a:latin typeface="Times New Roman"/>
                 <a:ea typeface="DejaVu Sans"/>
               </a:rPr>
-              <a:t>Agenda</a:t>
+              <a:t>How to Get Started – First Steps</a:t>
             </a:r>
             <a:endParaRPr b="0" lang="en-US" sz="3200" spc="-1" strike="noStrike">
               <a:latin typeface="Arial"/>
@@ -5521,7 +6738,7 @@
         <p:spPr>
           <a:xfrm>
             <a:off x="457200" y="2057400"/>
-            <a:ext cx="4342320" cy="345240"/>
+            <a:ext cx="4341960" cy="344880"/>
           </a:xfrm>
           <a:prstGeom prst="rect">
             <a:avLst/>
@@ -5546,8 +6763,8 @@
         </p:nvSpPr>
         <p:spPr>
           <a:xfrm>
-            <a:off x="457200" y="2717640"/>
-            <a:ext cx="10514520" cy="1299960"/>
+            <a:off x="457200" y="1673640"/>
+            <a:ext cx="10514160" cy="3487320"/>
           </a:xfrm>
           <a:prstGeom prst="rect">
             <a:avLst/>
@@ -5582,22 +6799,22 @@
                 <a:latin typeface="Arial"/>
                 <a:ea typeface="DejaVu Sans"/>
               </a:rPr>
-              <a:t>Getting Started</a:t>
-            </a:r>
-            <a:endParaRPr b="0" lang="en-US" sz="2400" spc="-1" strike="noStrike">
-              <a:latin typeface="Arial"/>
-            </a:endParaRPr>
-          </a:p>
-          <a:p>
-            <a:pPr>
-              <a:lnSpc>
-                <a:spcPct val="100000"/>
-              </a:lnSpc>
-              <a:buNone/>
-            </a:pPr>
+              <a:t>Tips for getting started:</a:t>
+            </a:r>
             <a:br>
               <a:rPr sz="2400"/>
             </a:br>
+            <a:endParaRPr b="0" lang="en-US" sz="2400" spc="-1" strike="noStrike">
+              <a:latin typeface="Arial"/>
+            </a:endParaRPr>
+          </a:p>
+          <a:p>
+            <a:pPr>
+              <a:lnSpc>
+                <a:spcPct val="100000"/>
+              </a:lnSpc>
+              <a:buNone/>
+            </a:pPr>
             <a:r>
               <a:rPr b="0" lang="en-US" sz="2400" spc="-1" strike="noStrike">
                 <a:solidFill>
@@ -5606,8 +6823,59 @@
                 <a:latin typeface="Arial"/>
                 <a:ea typeface="DejaVu Sans"/>
               </a:rPr>
-              <a:t>Troubleshooting</a:t>
-            </a:r>
+              <a:t>- Complete onboarding (e.g., training)</a:t>
+            </a:r>
+            <a:br>
+              <a:rPr sz="2400"/>
+            </a:br>
+            <a:br>
+              <a:rPr sz="2400"/>
+            </a:br>
+            <a:r>
+              <a:rPr b="0" lang="en-US" sz="2400" spc="-1" strike="noStrike">
+                <a:solidFill>
+                  <a:srgbClr val="000000"/>
+                </a:solidFill>
+                <a:latin typeface="Arial"/>
+                <a:ea typeface="DejaVu Sans"/>
+              </a:rPr>
+              <a:t>- Take inventory (tools, code, data, environment)</a:t>
+            </a:r>
+            <a:br>
+              <a:rPr sz="2400"/>
+            </a:br>
+            <a:endParaRPr b="0" lang="en-US" sz="2400" spc="-1" strike="noStrike">
+              <a:latin typeface="Arial"/>
+            </a:endParaRPr>
+          </a:p>
+          <a:p>
+            <a:pPr>
+              <a:lnSpc>
+                <a:spcPct val="100000"/>
+              </a:lnSpc>
+              <a:buNone/>
+            </a:pPr>
+            <a:r>
+              <a:rPr b="0" lang="en-US" sz="2400" spc="-1" strike="noStrike">
+                <a:solidFill>
+                  <a:srgbClr val="000000"/>
+                </a:solidFill>
+                <a:latin typeface="Arial"/>
+                <a:ea typeface="DejaVu Sans"/>
+              </a:rPr>
+              <a:t>- Understand the big picture. What is the goal?</a:t>
+            </a:r>
+            <a:endParaRPr b="0" lang="en-US" sz="2400" spc="-1" strike="noStrike">
+              <a:latin typeface="Arial"/>
+            </a:endParaRPr>
+          </a:p>
+          <a:p>
+            <a:pPr>
+              <a:lnSpc>
+                <a:spcPct val="100000"/>
+              </a:lnSpc>
+              <a:buNone/>
+            </a:pPr>
             <a:endParaRPr b="0" lang="en-US" sz="2400" spc="-1" strike="noStrike">
               <a:latin typeface="Arial"/>
             </a:endParaRPr>
@@ -5653,7 +6921,7 @@
         <p:spPr>
           <a:xfrm>
             <a:off x="428760" y="71640"/>
-            <a:ext cx="6429240" cy="541080"/>
+            <a:ext cx="10086480" cy="540720"/>
           </a:xfrm>
           <a:prstGeom prst="rect">
             <a:avLst/>
@@ -5688,7 +6956,7 @@
                 <a:latin typeface="Times New Roman"/>
                 <a:ea typeface="DejaVu Sans"/>
               </a:rPr>
-              <a:t>How to Get Started – First Steps</a:t>
+              <a:t>How to Get Started – Breaking things down</a:t>
             </a:r>
             <a:endParaRPr b="0" lang="en-US" sz="3200" spc="-1" strike="noStrike">
               <a:latin typeface="Arial"/>
@@ -5705,7 +6973,7 @@
         <p:spPr>
           <a:xfrm>
             <a:off x="457200" y="2057400"/>
-            <a:ext cx="4342320" cy="345240"/>
+            <a:ext cx="4341960" cy="344880"/>
           </a:xfrm>
           <a:prstGeom prst="rect">
             <a:avLst/>
@@ -5730,8 +6998,8 @@
         </p:nvSpPr>
         <p:spPr>
           <a:xfrm>
-            <a:off x="457200" y="1673640"/>
-            <a:ext cx="10514520" cy="3487680"/>
+            <a:off x="457200" y="1277640"/>
+            <a:ext cx="10514160" cy="3487320"/>
           </a:xfrm>
           <a:prstGeom prst="rect">
             <a:avLst/>
@@ -5766,11 +7034,8 @@
                 <a:latin typeface="Arial"/>
                 <a:ea typeface="DejaVu Sans"/>
               </a:rPr>
-              <a:t>Tips for getting started:</a:t>
-            </a:r>
-            <a:br>
-              <a:rPr sz="2400"/>
-            </a:br>
+              <a:t>- Look for intermediate milestones:</a:t>
+            </a:r>
             <a:endParaRPr b="0" lang="en-US" sz="2400" spc="-1" strike="noStrike">
               <a:latin typeface="Arial"/>
             </a:endParaRPr>
@@ -5790,14 +7055,8 @@
                 <a:latin typeface="Arial"/>
                 <a:ea typeface="DejaVu Sans"/>
               </a:rPr>
-              <a:t>- Complete onboarding (e.g., training)</a:t>
-            </a:r>
-            <a:br>
-              <a:rPr sz="2400"/>
-            </a:br>
-            <a:br>
-              <a:rPr sz="2400"/>
-            </a:br>
+              <a:t>  </a:t>
+            </a:r>
             <a:r>
               <a:rPr b="0" lang="en-US" sz="2400" spc="-1" strike="noStrike">
                 <a:solidFill>
@@ -5806,11 +7065,8 @@
                 <a:latin typeface="Arial"/>
                 <a:ea typeface="DejaVu Sans"/>
               </a:rPr>
-              <a:t>- Take inventory (tools, code, data, environment)</a:t>
-            </a:r>
-            <a:br>
-              <a:rPr sz="2400"/>
-            </a:br>
+              <a:t>&gt; Forming training set / valuation set</a:t>
+            </a:r>
             <a:endParaRPr b="0" lang="en-US" sz="2400" spc="-1" strike="noStrike">
               <a:latin typeface="Arial"/>
             </a:endParaRPr>
@@ -5830,7 +7086,48 @@
                 <a:latin typeface="Arial"/>
                 <a:ea typeface="DejaVu Sans"/>
               </a:rPr>
-              <a:t>- Understand the big picture. What is the goal?</a:t>
+              <a:t>  </a:t>
+            </a:r>
+            <a:r>
+              <a:rPr b="0" lang="en-US" sz="2400" spc="-1" strike="noStrike">
+                <a:solidFill>
+                  <a:srgbClr val="000000"/>
+                </a:solidFill>
+                <a:latin typeface="Arial"/>
+                <a:ea typeface="DejaVu Sans"/>
+              </a:rPr>
+              <a:t>&gt; Decide on metrics</a:t>
+            </a:r>
+            <a:endParaRPr b="0" lang="en-US" sz="2400" spc="-1" strike="noStrike">
+              <a:latin typeface="Arial"/>
+            </a:endParaRPr>
+          </a:p>
+          <a:p>
+            <a:pPr>
+              <a:lnSpc>
+                <a:spcPct val="100000"/>
+              </a:lnSpc>
+              <a:buNone/>
+            </a:pPr>
+            <a:r>
+              <a:rPr b="0" lang="en-US" sz="2400" spc="-1" strike="noStrike">
+                <a:solidFill>
+                  <a:srgbClr val="000000"/>
+                </a:solidFill>
+                <a:latin typeface="Arial"/>
+                <a:ea typeface="DejaVu Sans"/>
+              </a:rPr>
+              <a:t>  </a:t>
+            </a:r>
+            <a:r>
+              <a:rPr b="0" lang="en-US" sz="2400" spc="-1" strike="noStrike">
+                <a:solidFill>
+                  <a:srgbClr val="000000"/>
+                </a:solidFill>
+                <a:latin typeface="Arial"/>
+                <a:ea typeface="DejaVu Sans"/>
+              </a:rPr>
+              <a:t>&gt; Coding data pipelines</a:t>
             </a:r>
             <a:endParaRPr b="0" lang="en-US" sz="2400" spc="-1" strike="noStrike">
               <a:latin typeface="Arial"/>
@@ -5888,7 +7185,7 @@
         <p:spPr>
           <a:xfrm>
             <a:off x="428760" y="71640"/>
-            <a:ext cx="10086840" cy="541080"/>
+            <a:ext cx="10086480" cy="540720"/>
           </a:xfrm>
           <a:prstGeom prst="rect">
             <a:avLst/>
@@ -5940,7 +7237,7 @@
         <p:spPr>
           <a:xfrm>
             <a:off x="457200" y="2057400"/>
-            <a:ext cx="4342320" cy="345240"/>
+            <a:ext cx="4341960" cy="344880"/>
           </a:xfrm>
           <a:prstGeom prst="rect">
             <a:avLst/>
@@ -5966,7 +7263,7 @@
         <p:spPr>
           <a:xfrm>
             <a:off x="457200" y="1277640"/>
-            <a:ext cx="10514520" cy="3487680"/>
+            <a:ext cx="10514160" cy="3487320"/>
           </a:xfrm>
           <a:prstGeom prst="rect">
             <a:avLst/>
@@ -6001,7 +7298,7 @@
                 <a:latin typeface="Arial"/>
                 <a:ea typeface="DejaVu Sans"/>
               </a:rPr>
-              <a:t>- Look for intermediate milestones:</a:t>
+              <a:t>- Thinking about functionality</a:t>
             </a:r>
             <a:endParaRPr b="0" lang="en-US" sz="2400" spc="-1" strike="noStrike">
               <a:latin typeface="Arial"/>
@@ -6024,6 +7321,9 @@
               </a:rPr>
               <a:t>  </a:t>
             </a:r>
+            <a:br>
+              <a:rPr sz="2400"/>
+            </a:br>
             <a:r>
               <a:rPr b="0" lang="en-US" sz="2400" spc="-1" strike="noStrike">
                 <a:solidFill>
@@ -6032,19 +7332,8 @@
                 <a:latin typeface="Arial"/>
                 <a:ea typeface="DejaVu Sans"/>
               </a:rPr>
-              <a:t>&gt; Forming training set / valuation set</a:t>
-            </a:r>
-            <a:endParaRPr b="0" lang="en-US" sz="2400" spc="-1" strike="noStrike">
-              <a:latin typeface="Arial"/>
-            </a:endParaRPr>
-          </a:p>
-          <a:p>
-            <a:pPr>
-              <a:lnSpc>
-                <a:spcPct val="100000"/>
-              </a:lnSpc>
-              <a:buNone/>
-            </a:pPr>
+              <a:t>  </a:t>
+            </a:r>
             <a:r>
               <a:rPr b="0" lang="en-US" sz="2400" spc="-1" strike="noStrike">
                 <a:solidFill>
@@ -6053,8 +7342,32 @@
                 <a:latin typeface="Arial"/>
                 <a:ea typeface="DejaVu Sans"/>
               </a:rPr>
+              <a:t>&gt; What needs to happen? (build lists, embed objects, build classifier, …)</a:t>
+            </a:r>
+            <a:endParaRPr b="0" lang="en-US" sz="2400" spc="-1" strike="noStrike">
+              <a:latin typeface="Arial"/>
+            </a:endParaRPr>
+          </a:p>
+          <a:p>
+            <a:pPr>
+              <a:lnSpc>
+                <a:spcPct val="100000"/>
+              </a:lnSpc>
+              <a:buNone/>
+            </a:pPr>
+            <a:r>
+              <a:rPr b="0" lang="en-US" sz="2400" spc="-1" strike="noStrike">
+                <a:solidFill>
+                  <a:srgbClr val="000000"/>
+                </a:solidFill>
+                <a:latin typeface="Arial"/>
+                <a:ea typeface="DejaVu Sans"/>
+              </a:rPr>
               <a:t>  </a:t>
             </a:r>
+            <a:br>
+              <a:rPr sz="2400"/>
+            </a:br>
             <a:r>
               <a:rPr b="0" lang="en-US" sz="2400" spc="-1" strike="noStrike">
                 <a:solidFill>
@@ -6063,19 +7376,8 @@
                 <a:latin typeface="Arial"/>
                 <a:ea typeface="DejaVu Sans"/>
               </a:rPr>
-              <a:t>&gt; Decide on metrics</a:t>
-            </a:r>
-            <a:endParaRPr b="0" lang="en-US" sz="2400" spc="-1" strike="noStrike">
-              <a:latin typeface="Arial"/>
-            </a:endParaRPr>
-          </a:p>
-          <a:p>
-            <a:pPr>
-              <a:lnSpc>
-                <a:spcPct val="100000"/>
-              </a:lnSpc>
-              <a:buNone/>
-            </a:pPr>
+              <a:t>  </a:t>
+            </a:r>
             <a:r>
               <a:rPr b="0" lang="en-US" sz="2400" spc="-1" strike="noStrike">
                 <a:solidFill>
@@ -6084,8 +7386,11 @@
                 <a:latin typeface="Arial"/>
                 <a:ea typeface="DejaVu Sans"/>
               </a:rPr>
-              <a:t>  </a:t>
-            </a:r>
+              <a:t>&gt; Are there modules for the functionality?</a:t>
+            </a:r>
+            <a:br>
+              <a:rPr sz="2400"/>
+            </a:br>
             <a:r>
               <a:rPr b="0" lang="en-US" sz="2400" spc="-1" strike="noStrike">
                 <a:solidFill>
@@ -6094,19 +7399,71 @@
                 <a:latin typeface="Arial"/>
                 <a:ea typeface="DejaVu Sans"/>
               </a:rPr>
-              <a:t>&gt; Coding data pipelines</a:t>
-            </a:r>
-            <a:endParaRPr b="0" lang="en-US" sz="2400" spc="-1" strike="noStrike">
-              <a:latin typeface="Arial"/>
-            </a:endParaRPr>
-          </a:p>
-          <a:p>
-            <a:pPr>
-              <a:lnSpc>
-                <a:spcPct val="100000"/>
-              </a:lnSpc>
-              <a:buNone/>
-            </a:pPr>
+              <a:t>     Can check for built-ins, papers w code, Hugging Face, ...</a:t>
+            </a:r>
+            <a:endParaRPr b="0" lang="en-US" sz="2400" spc="-1" strike="noStrike">
+              <a:latin typeface="Arial"/>
+            </a:endParaRPr>
+          </a:p>
+          <a:p>
+            <a:pPr>
+              <a:lnSpc>
+                <a:spcPct val="100000"/>
+              </a:lnSpc>
+              <a:buNone/>
+            </a:pPr>
+            <a:r>
+              <a:rPr b="0" lang="en-US" sz="2400" spc="-1" strike="noStrike">
+                <a:solidFill>
+                  <a:srgbClr val="000000"/>
+                </a:solidFill>
+                <a:latin typeface="Arial"/>
+                <a:ea typeface="DejaVu Sans"/>
+              </a:rPr>
+              <a:t>     </a:t>
+            </a:r>
+            <a:r>
+              <a:rPr b="0" lang="en-US" sz="2400" spc="-1" strike="noStrike">
+                <a:solidFill>
+                  <a:srgbClr val="000000"/>
+                </a:solidFill>
+                <a:latin typeface="Arial"/>
+                <a:ea typeface="DejaVu Sans"/>
+              </a:rPr>
+              <a:t>What do you need to code / build? </a:t>
+            </a:r>
+            <a:endParaRPr b="0" lang="en-US" sz="2400" spc="-1" strike="noStrike">
+              <a:latin typeface="Arial"/>
+            </a:endParaRPr>
+          </a:p>
+          <a:p>
+            <a:pPr>
+              <a:lnSpc>
+                <a:spcPct val="100000"/>
+              </a:lnSpc>
+              <a:buNone/>
+            </a:pPr>
+            <a:endParaRPr b="0" lang="en-US" sz="2400" spc="-1" strike="noStrike">
+              <a:latin typeface="Arial"/>
+            </a:endParaRPr>
+          </a:p>
+          <a:p>
+            <a:pPr>
+              <a:lnSpc>
+                <a:spcPct val="100000"/>
+              </a:lnSpc>
+              <a:buNone/>
+            </a:pPr>
+            <a:r>
+              <a:rPr b="0" lang="en-US" sz="2400" spc="-1" strike="noStrike">
+                <a:solidFill>
+                  <a:srgbClr val="000000"/>
+                </a:solidFill>
+                <a:latin typeface="Arial"/>
+                <a:ea typeface="DejaVu Sans"/>
+              </a:rPr>
+              <a:t>- Break out large tasks and add to roadmap</a:t>
+            </a:r>
             <a:endParaRPr b="0" lang="en-US" sz="2400" spc="-1" strike="noStrike">
               <a:latin typeface="Arial"/>
             </a:endParaRPr>
@@ -6152,7 +7509,7 @@
         <p:spPr>
           <a:xfrm>
             <a:off x="428760" y="71640"/>
-            <a:ext cx="10086840" cy="541080"/>
+            <a:ext cx="10086480" cy="540720"/>
           </a:xfrm>
           <a:prstGeom prst="rect">
             <a:avLst/>
@@ -6204,7 +7561,7 @@
         <p:spPr>
           <a:xfrm>
             <a:off x="457200" y="2057400"/>
-            <a:ext cx="4342320" cy="345240"/>
+            <a:ext cx="4341960" cy="344880"/>
           </a:xfrm>
           <a:prstGeom prst="rect">
             <a:avLst/>
@@ -6230,7 +7587,7 @@
         <p:spPr>
           <a:xfrm>
             <a:off x="457200" y="1277640"/>
-            <a:ext cx="10514520" cy="3487680"/>
+            <a:ext cx="10514160" cy="3487320"/>
           </a:xfrm>
           <a:prstGeom prst="rect">
             <a:avLst/>
@@ -6250,131 +7607,6 @@
           <a:bodyPr lIns="90000" rIns="90000" tIns="45000" bIns="45000" anchor="t">
             <a:noAutofit/>
           </a:bodyPr>
-          <a:p>
-            <a:pPr>
-              <a:lnSpc>
-                <a:spcPct val="100000"/>
-              </a:lnSpc>
-              <a:buNone/>
-            </a:pPr>
-            <a:r>
-              <a:rPr b="0" lang="en-US" sz="2400" spc="-1" strike="noStrike">
-                <a:solidFill>
-                  <a:srgbClr val="000000"/>
-                </a:solidFill>
-                <a:latin typeface="Arial"/>
-                <a:ea typeface="DejaVu Sans"/>
-              </a:rPr>
-              <a:t>- Look for intermediate milestones:</a:t>
-            </a:r>
-            <a:endParaRPr b="0" lang="en-US" sz="2400" spc="-1" strike="noStrike">
-              <a:latin typeface="Arial"/>
-            </a:endParaRPr>
-          </a:p>
-          <a:p>
-            <a:pPr>
-              <a:lnSpc>
-                <a:spcPct val="100000"/>
-              </a:lnSpc>
-              <a:buNone/>
-            </a:pPr>
-            <a:r>
-              <a:rPr b="0" lang="en-US" sz="2400" spc="-1" strike="noStrike">
-                <a:solidFill>
-                  <a:srgbClr val="000000"/>
-                </a:solidFill>
-                <a:latin typeface="Arial"/>
-                <a:ea typeface="DejaVu Sans"/>
-              </a:rPr>
-              <a:t>  </a:t>
-            </a:r>
-            <a:r>
-              <a:rPr b="0" lang="en-US" sz="2400" spc="-1" strike="noStrike">
-                <a:solidFill>
-                  <a:srgbClr val="000000"/>
-                </a:solidFill>
-                <a:latin typeface="Arial"/>
-                <a:ea typeface="DejaVu Sans"/>
-              </a:rPr>
-              <a:t>&gt; Forming training set / valuation set</a:t>
-            </a:r>
-            <a:endParaRPr b="0" lang="en-US" sz="2400" spc="-1" strike="noStrike">
-              <a:latin typeface="Arial"/>
-            </a:endParaRPr>
-          </a:p>
-          <a:p>
-            <a:pPr>
-              <a:lnSpc>
-                <a:spcPct val="100000"/>
-              </a:lnSpc>
-              <a:buNone/>
-            </a:pPr>
-            <a:r>
-              <a:rPr b="0" lang="en-US" sz="2400" spc="-1" strike="noStrike">
-                <a:solidFill>
-                  <a:srgbClr val="000000"/>
-                </a:solidFill>
-                <a:latin typeface="Arial"/>
-                <a:ea typeface="DejaVu Sans"/>
-              </a:rPr>
-              <a:t>  </a:t>
-            </a:r>
-            <a:r>
-              <a:rPr b="0" lang="en-US" sz="2400" spc="-1" strike="noStrike">
-                <a:solidFill>
-                  <a:srgbClr val="000000"/>
-                </a:solidFill>
-                <a:latin typeface="Arial"/>
-                <a:ea typeface="DejaVu Sans"/>
-              </a:rPr>
-              <a:t>&gt; Decide on metrics</a:t>
-            </a:r>
-            <a:endParaRPr b="0" lang="en-US" sz="2400" spc="-1" strike="noStrike">
-              <a:latin typeface="Arial"/>
-            </a:endParaRPr>
-          </a:p>
-          <a:p>
-            <a:pPr>
-              <a:lnSpc>
-                <a:spcPct val="100000"/>
-              </a:lnSpc>
-              <a:buNone/>
-            </a:pPr>
-            <a:r>
-              <a:rPr b="0" lang="en-US" sz="2400" spc="-1" strike="noStrike">
-                <a:solidFill>
-                  <a:srgbClr val="000000"/>
-                </a:solidFill>
-                <a:latin typeface="Arial"/>
-                <a:ea typeface="DejaVu Sans"/>
-              </a:rPr>
-              <a:t>  </a:t>
-            </a:r>
-            <a:r>
-              <a:rPr b="0" lang="en-US" sz="2400" spc="-1" strike="noStrike">
-                <a:solidFill>
-                  <a:srgbClr val="000000"/>
-                </a:solidFill>
-                <a:latin typeface="Arial"/>
-                <a:ea typeface="DejaVu Sans"/>
-              </a:rPr>
-              <a:t>&gt; Coding data pipelines</a:t>
-            </a:r>
-            <a:endParaRPr b="0" lang="en-US" sz="2400" spc="-1" strike="noStrike">
-              <a:latin typeface="Arial"/>
-            </a:endParaRPr>
-          </a:p>
-          <a:p>
-            <a:pPr>
-              <a:lnSpc>
-                <a:spcPct val="100000"/>
-              </a:lnSpc>
-              <a:buNone/>
-            </a:pPr>
-            <a:endParaRPr b="0" lang="en-US" sz="2400" spc="-1" strike="noStrike">
-              <a:latin typeface="Arial"/>
-            </a:endParaRPr>
-          </a:p>
           <a:p>
             <a:pPr>
               <a:lnSpc>
@@ -6530,8 +7762,8 @@
         </p:nvSpPr>
         <p:spPr>
           <a:xfrm>
-            <a:off x="428760" y="71640"/>
-            <a:ext cx="10086840" cy="541080"/>
+            <a:off x="428760" y="2807640"/>
+            <a:ext cx="11229480" cy="540720"/>
           </a:xfrm>
           <a:prstGeom prst="rect">
             <a:avLst/>
@@ -6559,16 +7791,59 @@
               <a:buNone/>
             </a:pPr>
             <a:r>
-              <a:rPr b="0" lang="en-US" sz="3200" spc="-1" strike="noStrike">
-                <a:solidFill>
-                  <a:srgbClr val="ffffff"/>
-                </a:solidFill>
+              <a:rPr b="1" lang="en-US" sz="3200" spc="-1" strike="noStrike" u="sng">
+                <a:solidFill>
+                  <a:srgbClr val="000000"/>
+                </a:solidFill>
+                <a:uFillTx/>
                 <a:latin typeface="Times New Roman"/>
                 <a:ea typeface="DejaVu Sans"/>
               </a:rPr>
-              <a:t>How to Get Started – Breaking things down</a:t>
+              <a:t>Troubleshooting</a:t>
             </a:r>
             <a:endParaRPr b="0" lang="en-US" sz="3200" spc="-1" strike="noStrike">
+              <a:latin typeface="Arial"/>
+            </a:endParaRPr>
+          </a:p>
+          <a:p>
+            <a:pPr>
+              <a:lnSpc>
+                <a:spcPct val="100000"/>
+              </a:lnSpc>
+              <a:buNone/>
+            </a:pPr>
+            <a:r>
+              <a:rPr b="0" lang="en-US" sz="2600" spc="-1" strike="noStrike">
+                <a:solidFill>
+                  <a:srgbClr val="000000"/>
+                </a:solidFill>
+                <a:latin typeface="Times New Roman"/>
+                <a:ea typeface="DejaVu Sans"/>
+              </a:rPr>
+              <a:t>Let’s discuss previous issues and others you’re facing</a:t>
+            </a:r>
+            <a:endParaRPr b="0" lang="en-US" sz="2600" spc="-1" strike="noStrike">
+              <a:latin typeface="Arial"/>
+            </a:endParaRPr>
+          </a:p>
+          <a:p>
+            <a:pPr>
+              <a:lnSpc>
+                <a:spcPct val="100000"/>
+              </a:lnSpc>
+              <a:buNone/>
+            </a:pPr>
+            <a:r>
+              <a:rPr b="0" lang="en-US" sz="2600" spc="-1" strike="noStrike">
+                <a:solidFill>
+                  <a:srgbClr val="000000"/>
+                </a:solidFill>
+                <a:latin typeface="Times New Roman"/>
+                <a:ea typeface="DejaVu Sans"/>
+              </a:rPr>
+              <a:t>Ideas are proposed. Please share what’s working / not working.</a:t>
+            </a:r>
+            <a:endParaRPr b="0" lang="en-US" sz="2600" spc="-1" strike="noStrike">
               <a:latin typeface="Arial"/>
             </a:endParaRPr>
           </a:p>
@@ -6583,7 +7858,7 @@
         <p:spPr>
           <a:xfrm>
             <a:off x="457200" y="2057400"/>
-            <a:ext cx="4342320" cy="345240"/>
+            <a:ext cx="4341960" cy="344880"/>
           </a:xfrm>
           <a:prstGeom prst="rect">
             <a:avLst/>
@@ -6599,95 +7874,6 @@
           <a:effectRef idx="0"/>
           <a:fontRef idx="minor"/>
         </p:style>
-      </p:sp>
-      <p:sp>
-        <p:nvSpPr>
-          <p:cNvPr id="99" name=""/>
-          <p:cNvSpPr/>
-          <p:nvPr/>
-        </p:nvSpPr>
-        <p:spPr>
-          <a:xfrm>
-            <a:off x="457200" y="1277640"/>
-            <a:ext cx="10514520" cy="3487680"/>
-          </a:xfrm>
-          <a:prstGeom prst="rect">
-            <a:avLst/>
-          </a:prstGeom>
-          <a:noFill/>
-          <a:ln w="0">
-            <a:noFill/>
-          </a:ln>
-        </p:spPr>
-        <p:style>
-          <a:lnRef idx="0"/>
-          <a:fillRef idx="0"/>
-          <a:effectRef idx="0"/>
-          <a:fontRef idx="minor"/>
-        </p:style>
-        <p:txBody>
-          <a:bodyPr lIns="90000" rIns="90000" tIns="45000" bIns="45000" anchor="t">
-            <a:noAutofit/>
-          </a:bodyPr>
-          <a:p>
-            <a:pPr>
-              <a:lnSpc>
-                <a:spcPct val="100000"/>
-              </a:lnSpc>
-              <a:buNone/>
-            </a:pPr>
-            <a:r>
-              <a:rPr b="0" lang="en-US" sz="2400" spc="-1" strike="noStrike">
-                <a:solidFill>
-                  <a:srgbClr val="000000"/>
-                </a:solidFill>
-                <a:latin typeface="Arial"/>
-                <a:ea typeface="DejaVu Sans"/>
-              </a:rPr>
-              <a:t>&gt; Looking for code </a:t>
-            </a:r>
-            <a:br>
-              <a:rPr sz="2400"/>
-            </a:br>
-            <a:r>
-              <a:rPr b="0" lang="en-US" sz="2400" spc="-1" strike="noStrike">
-                <a:solidFill>
-                  <a:srgbClr val="000000"/>
-                </a:solidFill>
-                <a:latin typeface="Arial"/>
-                <a:ea typeface="DejaVu Sans"/>
-              </a:rPr>
-              <a:t>   Does the paper have code? </a:t>
-            </a:r>
-            <a:br>
-              <a:rPr sz="2400"/>
-            </a:br>
-            <a:r>
-              <a:rPr b="0" lang="en-US" sz="2400" spc="-1" strike="noStrike">
-                <a:solidFill>
-                  <a:srgbClr val="000000"/>
-                </a:solidFill>
-                <a:latin typeface="Arial"/>
-                <a:ea typeface="DejaVu Sans"/>
-              </a:rPr>
-              <a:t>   Is there code on Hugging Face?</a:t>
-            </a:r>
-            <a:endParaRPr b="0" lang="en-US" sz="2400" spc="-1" strike="noStrike">
-              <a:latin typeface="Arial"/>
-            </a:endParaRPr>
-          </a:p>
-          <a:p>
-            <a:pPr>
-              <a:lnSpc>
-                <a:spcPct val="100000"/>
-              </a:lnSpc>
-              <a:buNone/>
-            </a:pPr>
-            <a:endParaRPr b="0" lang="en-US" sz="2400" spc="-1" strike="noStrike">
-              <a:latin typeface="Arial"/>
-            </a:endParaRPr>
-          </a:p>
-        </p:txBody>
       </p:sp>
     </p:spTree>
   </p:cSld>
@@ -6721,14 +7907,14 @@
       </p:grpSpPr>
       <p:sp>
         <p:nvSpPr>
-          <p:cNvPr id="100" name=""/>
+          <p:cNvPr id="99" name=""/>
           <p:cNvSpPr/>
           <p:nvPr/>
         </p:nvSpPr>
         <p:spPr>
           <a:xfrm>
-            <a:off x="428760" y="2807640"/>
-            <a:ext cx="11229840" cy="541080"/>
+            <a:off x="428760" y="71640"/>
+            <a:ext cx="10086480" cy="540720"/>
           </a:xfrm>
           <a:prstGeom prst="rect">
             <a:avLst/>
@@ -6756,86 +7942,31 @@
               <a:buNone/>
             </a:pPr>
             <a:r>
-              <a:rPr b="0" lang="en-US" sz="3200" spc="-1" strike="noStrike" u="sng">
-                <a:solidFill>
-                  <a:srgbClr val="000000"/>
-                </a:solidFill>
-                <a:uFillTx/>
+              <a:rPr b="0" lang="en-US" sz="3200" spc="-1" strike="noStrike">
+                <a:solidFill>
+                  <a:srgbClr val="ffffff"/>
+                </a:solidFill>
                 <a:latin typeface="Times New Roman"/>
                 <a:ea typeface="DejaVu Sans"/>
               </a:rPr>
-              <a:t>Troubleshooting</a:t>
-            </a:r>
-            <a:endParaRPr b="0" lang="en-US" sz="3200" spc="-1" strike="noStrike" u="sng">
-              <a:solidFill>
-                <a:srgbClr val="000000"/>
-              </a:solidFill>
-              <a:uFillTx/>
-              <a:latin typeface="Arial"/>
-            </a:endParaRPr>
-          </a:p>
-          <a:p>
-            <a:pPr>
-              <a:lnSpc>
-                <a:spcPct val="100000"/>
-              </a:lnSpc>
-              <a:buNone/>
-            </a:pPr>
-            <a:r>
-              <a:rPr b="0" lang="en-US" sz="3200" spc="-1" strike="noStrike">
-                <a:solidFill>
-                  <a:srgbClr val="000000"/>
-                </a:solidFill>
-                <a:latin typeface="Times New Roman"/>
-                <a:ea typeface="DejaVu Sans"/>
-              </a:rPr>
-              <a:t>Let’s discuss previous issues and others you’re facing</a:t>
-            </a:r>
-            <a:endParaRPr b="0" lang="en-US" sz="3200" spc="-1" strike="noStrike" u="sng">
-              <a:solidFill>
-                <a:srgbClr val="000000"/>
-              </a:solidFill>
-              <a:uFillTx/>
-              <a:latin typeface="Arial"/>
-            </a:endParaRPr>
-          </a:p>
-          <a:p>
-            <a:pPr>
-              <a:lnSpc>
-                <a:spcPct val="100000"/>
-              </a:lnSpc>
-              <a:buNone/>
-            </a:pPr>
-            <a:r>
-              <a:rPr b="0" lang="en-US" sz="3200" spc="-1" strike="noStrike">
-                <a:solidFill>
-                  <a:srgbClr val="000000"/>
-                </a:solidFill>
-                <a:latin typeface="Times New Roman"/>
-                <a:ea typeface="DejaVu Sans"/>
-              </a:rPr>
-              <a:t>Ideas are proposed. Please share what’s working / not working.</a:t>
-            </a:r>
-            <a:endParaRPr b="0" lang="en-US" sz="3200" spc="-1" strike="noStrike" u="sng">
-              <a:solidFill>
-                <a:srgbClr val="000000"/>
-              </a:solidFill>
-              <a:uFillTx/>
-              <a:latin typeface="Arial"/>
-            </a:endParaRPr>
-          </a:p>
-        </p:txBody>
-      </p:sp>
-      <p:sp>
-        <p:nvSpPr>
-          <p:cNvPr id="101" name=""/>
+              <a:t>Unclear Problem Definition</a:t>
+            </a:r>
+            <a:endParaRPr b="0" lang="en-US" sz="3200" spc="-1" strike="noStrike">
+              <a:latin typeface="Arial"/>
+            </a:endParaRPr>
+          </a:p>
+        </p:txBody>
+      </p:sp>
+      <p:sp>
+        <p:nvSpPr>
+          <p:cNvPr id="100" name=""/>
           <p:cNvSpPr/>
           <p:nvPr/>
         </p:nvSpPr>
         <p:spPr>
           <a:xfrm>
             <a:off x="457200" y="2057400"/>
-            <a:ext cx="4342320" cy="345240"/>
+            <a:ext cx="4341960" cy="344880"/>
           </a:xfrm>
           <a:prstGeom prst="rect">
             <a:avLst/>
@@ -6851,6 +7982,144 @@
           <a:effectRef idx="0"/>
           <a:fontRef idx="minor"/>
         </p:style>
+      </p:sp>
+      <p:sp>
+        <p:nvSpPr>
+          <p:cNvPr id="101" name=""/>
+          <p:cNvSpPr/>
+          <p:nvPr/>
+        </p:nvSpPr>
+        <p:spPr>
+          <a:xfrm>
+            <a:off x="457200" y="1277640"/>
+            <a:ext cx="10514160" cy="3487320"/>
+          </a:xfrm>
+          <a:prstGeom prst="rect">
+            <a:avLst/>
+          </a:prstGeom>
+          <a:noFill/>
+          <a:ln w="0">
+            <a:noFill/>
+          </a:ln>
+        </p:spPr>
+        <p:style>
+          <a:lnRef idx="0"/>
+          <a:fillRef idx="0"/>
+          <a:effectRef idx="0"/>
+          <a:fontRef idx="minor"/>
+        </p:style>
+        <p:txBody>
+          <a:bodyPr lIns="90000" rIns="90000" tIns="45000" bIns="45000" anchor="t">
+            <a:noAutofit/>
+          </a:bodyPr>
+          <a:p>
+            <a:pPr>
+              <a:lnSpc>
+                <a:spcPct val="100000"/>
+              </a:lnSpc>
+              <a:buNone/>
+            </a:pPr>
+            <a:r>
+              <a:rPr b="0" lang="en-US" sz="2400" spc="-1" strike="noStrike">
+                <a:solidFill>
+                  <a:srgbClr val="000000"/>
+                </a:solidFill>
+                <a:latin typeface="Arial"/>
+                <a:ea typeface="DejaVu Sans"/>
+              </a:rPr>
+              <a:t>Each project should have a problem statement, but clarity may vary.</a:t>
+            </a:r>
+            <a:endParaRPr b="0" lang="en-US" sz="2400" spc="-1" strike="noStrike">
+              <a:latin typeface="Arial"/>
+            </a:endParaRPr>
+          </a:p>
+          <a:p>
+            <a:pPr>
+              <a:lnSpc>
+                <a:spcPct val="100000"/>
+              </a:lnSpc>
+              <a:buNone/>
+            </a:pPr>
+            <a:endParaRPr b="0" lang="en-US" sz="2400" spc="-1" strike="noStrike">
+              <a:latin typeface="Arial"/>
+            </a:endParaRPr>
+          </a:p>
+          <a:p>
+            <a:pPr>
+              <a:lnSpc>
+                <a:spcPct val="100000"/>
+              </a:lnSpc>
+              <a:buNone/>
+            </a:pPr>
+            <a:r>
+              <a:rPr b="1" lang="en-US" sz="2400" spc="-1" strike="noStrike">
+                <a:solidFill>
+                  <a:srgbClr val="000000"/>
+                </a:solidFill>
+                <a:latin typeface="Arial"/>
+                <a:ea typeface="DejaVu Sans"/>
+              </a:rPr>
+              <a:t>Q: What if the sponsor doesn’t clearly define the problem?</a:t>
+            </a:r>
+            <a:endParaRPr b="0" lang="en-US" sz="2400" spc="-1" strike="noStrike">
+              <a:latin typeface="Arial"/>
+            </a:endParaRPr>
+          </a:p>
+          <a:p>
+            <a:pPr>
+              <a:lnSpc>
+                <a:spcPct val="100000"/>
+              </a:lnSpc>
+              <a:buNone/>
+            </a:pPr>
+            <a:endParaRPr b="0" lang="en-US" sz="2400" spc="-1" strike="noStrike">
+              <a:latin typeface="Arial"/>
+            </a:endParaRPr>
+          </a:p>
+          <a:p>
+            <a:pPr>
+              <a:lnSpc>
+                <a:spcPct val="100000"/>
+              </a:lnSpc>
+              <a:buNone/>
+            </a:pPr>
+            <a:r>
+              <a:rPr b="0" lang="en-US" sz="2400" spc="-1" strike="noStrike">
+                <a:solidFill>
+                  <a:srgbClr val="000000"/>
+                </a:solidFill>
+                <a:latin typeface="Arial"/>
+                <a:ea typeface="DejaVu Sans"/>
+              </a:rPr>
+              <a:t>You might propose ideas at intersection of what’s achievable &amp; interesting</a:t>
+            </a:r>
+            <a:endParaRPr b="0" lang="en-US" sz="2400" spc="-1" strike="noStrike">
+              <a:latin typeface="Arial"/>
+            </a:endParaRPr>
+          </a:p>
+          <a:p>
+            <a:pPr>
+              <a:lnSpc>
+                <a:spcPct val="100000"/>
+              </a:lnSpc>
+              <a:buNone/>
+            </a:pPr>
+            <a:endParaRPr b="0" lang="en-US" sz="2400" spc="-1" strike="noStrike">
+              <a:latin typeface="Arial"/>
+            </a:endParaRPr>
+          </a:p>
+          <a:p>
+            <a:pPr>
+              <a:lnSpc>
+                <a:spcPct val="100000"/>
+              </a:lnSpc>
+              <a:buNone/>
+            </a:pPr>
+            <a:endParaRPr b="0" lang="en-US" sz="2400" spc="-1" strike="noStrike">
+              <a:latin typeface="Arial"/>
+            </a:endParaRPr>
+          </a:p>
+        </p:txBody>
       </p:sp>
     </p:spTree>
   </p:cSld>
@@ -6891,7 +8160,7 @@
         <p:spPr>
           <a:xfrm>
             <a:off x="428760" y="71640"/>
-            <a:ext cx="10086840" cy="541080"/>
+            <a:ext cx="10086480" cy="540720"/>
           </a:xfrm>
           <a:prstGeom prst="rect">
             <a:avLst/>
@@ -6926,7 +8195,7 @@
                 <a:latin typeface="Times New Roman"/>
                 <a:ea typeface="DejaVu Sans"/>
               </a:rPr>
-              <a:t>Unclear Problem Definition</a:t>
+              <a:t>Lack of Data</a:t>
             </a:r>
             <a:endParaRPr b="0" lang="en-US" sz="3200" spc="-1" strike="noStrike">
               <a:latin typeface="Arial"/>
@@ -6943,7 +8212,7 @@
         <p:spPr>
           <a:xfrm>
             <a:off x="457200" y="2057400"/>
-            <a:ext cx="4342320" cy="345240"/>
+            <a:ext cx="4341960" cy="344880"/>
           </a:xfrm>
           <a:prstGeom prst="rect">
             <a:avLst/>
@@ -6969,7 +8238,7 @@
         <p:spPr>
           <a:xfrm>
             <a:off x="457200" y="1277640"/>
-            <a:ext cx="10514520" cy="3487680"/>
+            <a:ext cx="10514160" cy="3487320"/>
           </a:xfrm>
           <a:prstGeom prst="rect">
             <a:avLst/>
@@ -7004,7 +8273,7 @@
                 <a:latin typeface="Arial"/>
                 <a:ea typeface="DejaVu Sans"/>
               </a:rPr>
-              <a:t>Each project should have a problem statement, but clarity may vary.</a:t>
+              <a:t>Each project should have data, but coverage and quality may vary</a:t>
             </a:r>
             <a:endParaRPr b="0" lang="en-US" sz="2400" spc="-1" strike="noStrike">
               <a:latin typeface="Arial"/>
@@ -7036,7 +8305,7 @@
                 <a:latin typeface="Arial"/>
                 <a:ea typeface="DejaVu Sans"/>
               </a:rPr>
-              <a:t>Q: What if the sponsor doesn’t clearly define the problem?</a:t>
+              <a:t>Q: What if the data won’t support the objective?</a:t>
             </a:r>
             <a:endParaRPr b="0" lang="en-US" sz="2400" spc="-1" strike="noStrike">
               <a:latin typeface="Arial"/>
@@ -7068,7 +8337,104 @@
                 <a:latin typeface="Arial"/>
                 <a:ea typeface="DejaVu Sans"/>
               </a:rPr>
-              <a:t>You might propose ideas at intersection of what’s achievable &amp; interesting</a:t>
+              <a:t>You might propose ideas on what is achievable</a:t>
+            </a:r>
+            <a:endParaRPr b="0" lang="en-US" sz="2400" spc="-1" strike="noStrike">
+              <a:latin typeface="Arial"/>
+            </a:endParaRPr>
+          </a:p>
+          <a:p>
+            <a:pPr>
+              <a:lnSpc>
+                <a:spcPct val="100000"/>
+              </a:lnSpc>
+              <a:buNone/>
+            </a:pPr>
+            <a:r>
+              <a:rPr b="0" lang="en-US" sz="2400" spc="-1" strike="noStrike">
+                <a:solidFill>
+                  <a:srgbClr val="000000"/>
+                </a:solidFill>
+                <a:latin typeface="Arial"/>
+                <a:ea typeface="DejaVu Sans"/>
+              </a:rPr>
+              <a:t>- Solve for subset of population?</a:t>
+            </a:r>
+            <a:endParaRPr b="0" lang="en-US" sz="2400" spc="-1" strike="noStrike">
+              <a:latin typeface="Arial"/>
+            </a:endParaRPr>
+          </a:p>
+          <a:p>
+            <a:pPr>
+              <a:lnSpc>
+                <a:spcPct val="100000"/>
+              </a:lnSpc>
+              <a:buNone/>
+            </a:pPr>
+            <a:r>
+              <a:rPr b="0" lang="en-US" sz="2400" spc="-1" strike="noStrike">
+                <a:solidFill>
+                  <a:srgbClr val="000000"/>
+                </a:solidFill>
+                <a:latin typeface="Arial"/>
+                <a:ea typeface="DejaVu Sans"/>
+              </a:rPr>
+              <a:t>- Pivot the question?</a:t>
+            </a:r>
+            <a:endParaRPr b="0" lang="en-US" sz="2400" spc="-1" strike="noStrike">
+              <a:latin typeface="Arial"/>
+            </a:endParaRPr>
+          </a:p>
+          <a:p>
+            <a:pPr>
+              <a:lnSpc>
+                <a:spcPct val="100000"/>
+              </a:lnSpc>
+              <a:buNone/>
+            </a:pPr>
+            <a:r>
+              <a:rPr b="0" lang="en-US" sz="2400" spc="-1" strike="noStrike">
+                <a:solidFill>
+                  <a:srgbClr val="000000"/>
+                </a:solidFill>
+                <a:latin typeface="Arial"/>
+                <a:ea typeface="DejaVu Sans"/>
+              </a:rPr>
+              <a:t>- If labeled dataset is small, you might train on labeled data, </a:t>
+            </a:r>
+            <a:br>
+              <a:rPr sz="2400"/>
+            </a:br>
+            <a:r>
+              <a:rPr b="0" lang="en-US" sz="2400" spc="-1" strike="noStrike">
+                <a:solidFill>
+                  <a:srgbClr val="000000"/>
+                </a:solidFill>
+                <a:latin typeface="Arial"/>
+                <a:ea typeface="DejaVu Sans"/>
+              </a:rPr>
+              <a:t>  predict on unlabeled, and review cases with high/low probability.</a:t>
+            </a:r>
+            <a:endParaRPr b="0" lang="en-US" sz="2400" spc="-1" strike="noStrike">
+              <a:latin typeface="Arial"/>
+            </a:endParaRPr>
+          </a:p>
+          <a:p>
+            <a:pPr>
+              <a:lnSpc>
+                <a:spcPct val="100000"/>
+              </a:lnSpc>
+              <a:buNone/>
+            </a:pPr>
+            <a:r>
+              <a:rPr b="0" lang="en-US" sz="2400" spc="-1" strike="noStrike">
+                <a:solidFill>
+                  <a:srgbClr val="000000"/>
+                </a:solidFill>
+                <a:latin typeface="Arial"/>
+                <a:ea typeface="DejaVu Sans"/>
+              </a:rPr>
+              <a:t>- Can more data be collected? Can supplemental data be created?</a:t>
             </a:r>
             <a:endParaRPr b="0" lang="en-US" sz="2400" spc="-1" strike="noStrike">
               <a:latin typeface="Arial"/>
@@ -7137,7 +8503,7 @@
         <p:spPr>
           <a:xfrm>
             <a:off x="428760" y="71640"/>
-            <a:ext cx="10086840" cy="541080"/>
+            <a:ext cx="10086480" cy="540720"/>
           </a:xfrm>
           <a:prstGeom prst="rect">
             <a:avLst/>
@@ -7172,7 +8538,7 @@
                 <a:latin typeface="Times New Roman"/>
                 <a:ea typeface="DejaVu Sans"/>
               </a:rPr>
-              <a:t>Lack of Data</a:t>
+              <a:t>Making Meetings more Productive</a:t>
             </a:r>
             <a:endParaRPr b="0" lang="en-US" sz="3200" spc="-1" strike="noStrike">
               <a:latin typeface="Arial"/>
@@ -7189,7 +8555,7 @@
         <p:spPr>
           <a:xfrm>
             <a:off x="457200" y="2057400"/>
-            <a:ext cx="4342320" cy="345240"/>
+            <a:ext cx="4341960" cy="344880"/>
           </a:xfrm>
           <a:prstGeom prst="rect">
             <a:avLst/>
@@ -7215,7 +8581,7 @@
         <p:spPr>
           <a:xfrm>
             <a:off x="457200" y="1277640"/>
-            <a:ext cx="10514520" cy="3487680"/>
+            <a:ext cx="10514160" cy="3487320"/>
           </a:xfrm>
           <a:prstGeom prst="rect">
             <a:avLst/>
@@ -7250,7 +8616,7 @@
                 <a:latin typeface="Arial"/>
                 <a:ea typeface="DejaVu Sans"/>
               </a:rPr>
-              <a:t>Each project should have data, but coverage and quality may vary</a:t>
+              <a:t>Each sponsor should meet w students as needed.</a:t>
             </a:r>
             <a:endParaRPr b="0" lang="en-US" sz="2400" spc="-1" strike="noStrike">
               <a:latin typeface="Arial"/>
@@ -7282,7 +8648,7 @@
                 <a:latin typeface="Arial"/>
                 <a:ea typeface="DejaVu Sans"/>
               </a:rPr>
-              <a:t>Q: What if the data won’t support the objective?</a:t>
+              <a:t>Q: What if the meetings aren’t productive enough?</a:t>
             </a:r>
             <a:endParaRPr b="0" lang="en-US" sz="2400" spc="-1" strike="noStrike">
               <a:latin typeface="Arial"/>
@@ -7314,7 +8680,7 @@
                 <a:latin typeface="Arial"/>
                 <a:ea typeface="DejaVu Sans"/>
               </a:rPr>
-              <a:t>You might propose ideas on what is achievable</a:t>
+              <a:t>You might try:</a:t>
             </a:r>
             <a:endParaRPr b="0" lang="en-US" sz="2400" spc="-1" strike="noStrike">
               <a:latin typeface="Arial"/>
@@ -7335,7 +8701,7 @@
                 <a:latin typeface="Arial"/>
                 <a:ea typeface="DejaVu Sans"/>
               </a:rPr>
-              <a:t>- Solve for subset of population?</a:t>
+              <a:t>- Forming an agenda / agreeing on it beforehand</a:t>
             </a:r>
             <a:endParaRPr b="0" lang="en-US" sz="2400" spc="-1" strike="noStrike">
               <a:latin typeface="Arial"/>
@@ -7356,7 +8722,7 @@
                 <a:latin typeface="Arial"/>
                 <a:ea typeface="DejaVu Sans"/>
               </a:rPr>
-              <a:t>- Pivot the question?</a:t>
+              <a:t>- Sharing results beforehand to discuss during meeting</a:t>
             </a:r>
             <a:endParaRPr b="0" lang="en-US" sz="2400" spc="-1" strike="noStrike">
               <a:latin typeface="Arial"/>
@@ -7377,11 +8743,19 @@
                 <a:latin typeface="Arial"/>
                 <a:ea typeface="DejaVu Sans"/>
               </a:rPr>
-              <a:t>- If labeled dataset is small, you might train on labeled data, </a:t>
-            </a:r>
-            <a:br>
-              <a:rPr sz="2400"/>
-            </a:br>
+              <a:t>- Decide Next Steps in the meeting</a:t>
+            </a:r>
+            <a:endParaRPr b="0" lang="en-US" sz="2400" spc="-1" strike="noStrike">
+              <a:latin typeface="Arial"/>
+            </a:endParaRPr>
+          </a:p>
+          <a:p>
+            <a:pPr>
+              <a:lnSpc>
+                <a:spcPct val="100000"/>
+              </a:lnSpc>
+              <a:buNone/>
+            </a:pPr>
             <a:r>
               <a:rPr b="0" lang="en-US" sz="2400" spc="-1" strike="noStrike">
                 <a:solidFill>
@@ -7390,7 +8764,7 @@
                 <a:latin typeface="Arial"/>
                 <a:ea typeface="DejaVu Sans"/>
               </a:rPr>
-              <a:t>  predict on unlabeled, and review cases with high/low probability.</a:t>
+              <a:t>- Call out decision points in meeting</a:t>
             </a:r>
             <a:endParaRPr b="0" lang="en-US" sz="2400" spc="-1" strike="noStrike">
               <a:latin typeface="Arial"/>
@@ -7411,7 +8785,7 @@
                 <a:latin typeface="Arial"/>
                 <a:ea typeface="DejaVu Sans"/>
               </a:rPr>
-              <a:t>- Can more data be collected? Can supplemental data be created?</a:t>
+              <a:t>- Ask for feedback</a:t>
             </a:r>
             <a:endParaRPr b="0" lang="en-US" sz="2400" spc="-1" strike="noStrike">
               <a:latin typeface="Arial"/>

--- a/08_getting_started_and_troubleshooting.pptx
+++ b/08_getting_started_and_troubleshooting.pptx
@@ -3589,7 +3589,7 @@
         <p:spPr>
           <a:xfrm>
             <a:off x="0" y="6560280"/>
-            <a:ext cx="12189960" cy="295560"/>
+            <a:ext cx="12189240" cy="294840"/>
           </a:xfrm>
           <a:prstGeom prst="rect">
             <a:avLst/>
@@ -3625,7 +3625,7 @@
         <p:spPr>
           <a:xfrm>
             <a:off x="0" y="0"/>
-            <a:ext cx="12189960" cy="619920"/>
+            <a:ext cx="12189240" cy="619200"/>
           </a:xfrm>
           <a:prstGeom prst="rect">
             <a:avLst/>
@@ -3661,7 +3661,7 @@
         <p:spPr>
           <a:xfrm>
             <a:off x="783000" y="60120"/>
-            <a:ext cx="6591600" cy="502200"/>
+            <a:ext cx="6590880" cy="501480"/>
           </a:xfrm>
           <a:prstGeom prst="rect">
             <a:avLst/>
@@ -3691,7 +3691,7 @@
         <p:spPr>
           <a:xfrm>
             <a:off x="11450880" y="6592320"/>
-            <a:ext cx="648720" cy="231480"/>
+            <a:ext cx="648000" cy="230760"/>
           </a:xfrm>
           <a:prstGeom prst="rect">
             <a:avLst/>
@@ -4020,7 +4020,7 @@
         <p:spPr>
           <a:xfrm>
             <a:off x="0" y="6560280"/>
-            <a:ext cx="12189960" cy="295560"/>
+            <a:ext cx="12189240" cy="294840"/>
           </a:xfrm>
           <a:prstGeom prst="rect">
             <a:avLst/>
@@ -4056,7 +4056,7 @@
         <p:spPr>
           <a:xfrm>
             <a:off x="0" y="0"/>
-            <a:ext cx="12189960" cy="619920"/>
+            <a:ext cx="12189240" cy="619200"/>
           </a:xfrm>
           <a:prstGeom prst="rect">
             <a:avLst/>
@@ -4092,7 +4092,7 @@
         <p:spPr>
           <a:xfrm>
             <a:off x="783000" y="60120"/>
-            <a:ext cx="6591600" cy="502200"/>
+            <a:ext cx="6590880" cy="501480"/>
           </a:xfrm>
           <a:prstGeom prst="rect">
             <a:avLst/>
@@ -4122,7 +4122,7 @@
         <p:spPr>
           <a:xfrm>
             <a:off x="11450880" y="6592320"/>
-            <a:ext cx="648720" cy="231480"/>
+            <a:ext cx="648000" cy="230760"/>
           </a:xfrm>
           <a:prstGeom prst="rect">
             <a:avLst/>
@@ -4448,7 +4448,7 @@
         <p:spPr>
           <a:xfrm>
             <a:off x="695160" y="3054600"/>
-            <a:ext cx="8904240" cy="493200"/>
+            <a:ext cx="8903520" cy="492480"/>
           </a:xfrm>
           <a:prstGeom prst="rect">
             <a:avLst/>
@@ -4524,7 +4524,7 @@
         <p:spPr>
           <a:xfrm>
             <a:off x="428760" y="71640"/>
-            <a:ext cx="10086480" cy="540720"/>
+            <a:ext cx="10085760" cy="540000"/>
           </a:xfrm>
           <a:prstGeom prst="rect">
             <a:avLst/>
@@ -4576,7 +4576,7 @@
         <p:spPr>
           <a:xfrm>
             <a:off x="457200" y="2057400"/>
-            <a:ext cx="4341960" cy="344880"/>
+            <a:ext cx="4341240" cy="344160"/>
           </a:xfrm>
           <a:prstGeom prst="rect">
             <a:avLst/>
@@ -4602,7 +4602,7 @@
         <p:spPr>
           <a:xfrm>
             <a:off x="457200" y="1277640"/>
-            <a:ext cx="10514160" cy="3487320"/>
+            <a:ext cx="10513440" cy="3486600"/>
           </a:xfrm>
           <a:prstGeom prst="rect">
             <a:avLst/>
@@ -4780,7 +4780,7 @@
         <p:spPr>
           <a:xfrm>
             <a:off x="428760" y="71640"/>
-            <a:ext cx="10086480" cy="540720"/>
+            <a:ext cx="10085760" cy="540000"/>
           </a:xfrm>
           <a:prstGeom prst="rect">
             <a:avLst/>
@@ -4832,7 +4832,7 @@
         <p:spPr>
           <a:xfrm>
             <a:off x="457200" y="2057400"/>
-            <a:ext cx="4341960" cy="344880"/>
+            <a:ext cx="4341240" cy="344160"/>
           </a:xfrm>
           <a:prstGeom prst="rect">
             <a:avLst/>
@@ -4858,7 +4858,7 @@
         <p:spPr>
           <a:xfrm>
             <a:off x="457200" y="1277640"/>
-            <a:ext cx="10514160" cy="3487320"/>
+            <a:ext cx="10513440" cy="3486600"/>
           </a:xfrm>
           <a:prstGeom prst="rect">
             <a:avLst/>
@@ -4886,7 +4886,7 @@
               <a:buNone/>
             </a:pPr>
             <a:r>
-              <a:rPr b="0" lang="en-US" sz="2400" spc="-1" strike="noStrike">
+              <a:rPr b="0" lang="en-US" sz="2200" spc="-1" strike="noStrike">
                 <a:solidFill>
                   <a:srgbClr val="000000"/>
                 </a:solidFill>
@@ -4895,30 +4895,30 @@
               </a:rPr>
               <a:t>Ideally, the project brings together skills you’ve learned in the program.</a:t>
             </a:r>
-            <a:endParaRPr b="0" lang="en-US" sz="2400" spc="-1" strike="noStrike">
-              <a:latin typeface="Arial"/>
-            </a:endParaRPr>
-          </a:p>
-          <a:p>
-            <a:pPr>
-              <a:lnSpc>
-                <a:spcPct val="100000"/>
-              </a:lnSpc>
-              <a:buNone/>
-            </a:pPr>
-            <a:endParaRPr b="0" lang="en-US" sz="2400" spc="-1" strike="noStrike">
-              <a:latin typeface="Arial"/>
-            </a:endParaRPr>
-          </a:p>
-          <a:p>
-            <a:pPr>
-              <a:lnSpc>
-                <a:spcPct val="100000"/>
-              </a:lnSpc>
-              <a:buNone/>
-            </a:pPr>
-            <a:r>
-              <a:rPr b="1" lang="en-US" sz="2400" spc="-1" strike="noStrike">
+            <a:endParaRPr b="0" lang="en-US" sz="2200" spc="-1" strike="noStrike">
+              <a:latin typeface="Arial"/>
+            </a:endParaRPr>
+          </a:p>
+          <a:p>
+            <a:pPr>
+              <a:lnSpc>
+                <a:spcPct val="100000"/>
+              </a:lnSpc>
+              <a:buNone/>
+            </a:pPr>
+            <a:endParaRPr b="0" lang="en-US" sz="2200" spc="-1" strike="noStrike">
+              <a:latin typeface="Arial"/>
+            </a:endParaRPr>
+          </a:p>
+          <a:p>
+            <a:pPr>
+              <a:lnSpc>
+                <a:spcPct val="100000"/>
+              </a:lnSpc>
+              <a:buNone/>
+            </a:pPr>
+            <a:r>
+              <a:rPr b="1" lang="en-US" sz="2200" spc="-1" strike="noStrike">
                 <a:solidFill>
                   <a:srgbClr val="000000"/>
                 </a:solidFill>
@@ -4927,30 +4927,30 @@
               </a:rPr>
               <a:t>Q: What if I don’t have the skills to solve the problem?</a:t>
             </a:r>
-            <a:endParaRPr b="0" lang="en-US" sz="2400" spc="-1" strike="noStrike">
-              <a:latin typeface="Arial"/>
-            </a:endParaRPr>
-          </a:p>
-          <a:p>
-            <a:pPr>
-              <a:lnSpc>
-                <a:spcPct val="100000"/>
-              </a:lnSpc>
-              <a:buNone/>
-            </a:pPr>
-            <a:endParaRPr b="0" lang="en-US" sz="2400" spc="-1" strike="noStrike">
-              <a:latin typeface="Arial"/>
-            </a:endParaRPr>
-          </a:p>
-          <a:p>
-            <a:pPr>
-              <a:lnSpc>
-                <a:spcPct val="100000"/>
-              </a:lnSpc>
-              <a:buNone/>
-            </a:pPr>
-            <a:r>
-              <a:rPr b="0" lang="en-US" sz="2400" spc="-1" strike="noStrike">
+            <a:endParaRPr b="0" lang="en-US" sz="2200" spc="-1" strike="noStrike">
+              <a:latin typeface="Arial"/>
+            </a:endParaRPr>
+          </a:p>
+          <a:p>
+            <a:pPr>
+              <a:lnSpc>
+                <a:spcPct val="100000"/>
+              </a:lnSpc>
+              <a:buNone/>
+            </a:pPr>
+            <a:endParaRPr b="0" lang="en-US" sz="2200" spc="-1" strike="noStrike">
+              <a:latin typeface="Arial"/>
+            </a:endParaRPr>
+          </a:p>
+          <a:p>
+            <a:pPr>
+              <a:lnSpc>
+                <a:spcPct val="100000"/>
+              </a:lnSpc>
+              <a:buNone/>
+            </a:pPr>
+            <a:r>
+              <a:rPr b="0" lang="en-US" sz="2200" spc="-1" strike="noStrike">
                 <a:solidFill>
                   <a:srgbClr val="000000"/>
                 </a:solidFill>
@@ -4959,19 +4959,19 @@
               </a:rPr>
               <a:t>&gt; In some cases, you will need to learn new things</a:t>
             </a:r>
-            <a:endParaRPr b="0" lang="en-US" sz="2400" spc="-1" strike="noStrike">
-              <a:latin typeface="Arial"/>
-            </a:endParaRPr>
-          </a:p>
-          <a:p>
-            <a:pPr>
-              <a:lnSpc>
-                <a:spcPct val="100000"/>
-              </a:lnSpc>
-              <a:buNone/>
-            </a:pPr>
-            <a:r>
-              <a:rPr b="0" lang="en-US" sz="2400" spc="-1" strike="noStrike">
+            <a:endParaRPr b="0" lang="en-US" sz="2200" spc="-1" strike="noStrike">
+              <a:latin typeface="Arial"/>
+            </a:endParaRPr>
+          </a:p>
+          <a:p>
+            <a:pPr>
+              <a:lnSpc>
+                <a:spcPct val="100000"/>
+              </a:lnSpc>
+              <a:buNone/>
+            </a:pPr>
+            <a:r>
+              <a:rPr b="0" lang="en-US" sz="2200" spc="-1" strike="noStrike">
                 <a:solidFill>
                   <a:srgbClr val="000000"/>
                 </a:solidFill>
@@ -4981,21 +4981,21 @@
               <a:t>&gt; Your sponsor / mentor might be able to suggest resources</a:t>
             </a:r>
             <a:br>
-              <a:rPr sz="2400"/>
+              <a:rPr sz="2200"/>
             </a:br>
-            <a:endParaRPr b="0" lang="en-US" sz="2400" spc="-1" strike="noStrike">
-              <a:latin typeface="Arial"/>
-            </a:endParaRPr>
-          </a:p>
-          <a:p>
-            <a:pPr>
-              <a:lnSpc>
-                <a:spcPct val="100000"/>
-              </a:lnSpc>
-              <a:buNone/>
-            </a:pPr>
-            <a:r>
-              <a:rPr b="0" lang="en-US" sz="2400" spc="-1" strike="noStrike">
+            <a:endParaRPr b="0" lang="en-US" sz="2200" spc="-1" strike="noStrike">
+              <a:latin typeface="Arial"/>
+            </a:endParaRPr>
+          </a:p>
+          <a:p>
+            <a:pPr>
+              <a:lnSpc>
+                <a:spcPct val="100000"/>
+              </a:lnSpc>
+              <a:buNone/>
+            </a:pPr>
+            <a:r>
+              <a:rPr b="0" lang="en-US" sz="2200" spc="-1" strike="noStrike">
                 <a:solidFill>
                   <a:srgbClr val="000000"/>
                 </a:solidFill>
@@ -5004,19 +5004,19 @@
               </a:rPr>
               <a:t>&gt; Keep a list of open questions, skills needed</a:t>
             </a:r>
-            <a:endParaRPr b="0" lang="en-US" sz="2400" spc="-1" strike="noStrike">
-              <a:latin typeface="Arial"/>
-            </a:endParaRPr>
-          </a:p>
-          <a:p>
-            <a:pPr>
-              <a:lnSpc>
-                <a:spcPct val="100000"/>
-              </a:lnSpc>
-              <a:buNone/>
-            </a:pPr>
-            <a:r>
-              <a:rPr b="0" lang="en-US" sz="2400" spc="-1" strike="noStrike">
+            <a:endParaRPr b="0" lang="en-US" sz="2200" spc="-1" strike="noStrike">
+              <a:latin typeface="Arial"/>
+            </a:endParaRPr>
+          </a:p>
+          <a:p>
+            <a:pPr>
+              <a:lnSpc>
+                <a:spcPct val="100000"/>
+              </a:lnSpc>
+              <a:buNone/>
+            </a:pPr>
+            <a:r>
+              <a:rPr b="0" lang="en-US" sz="2200" spc="-1" strike="noStrike">
                 <a:solidFill>
                   <a:srgbClr val="000000"/>
                 </a:solidFill>
@@ -5026,7 +5026,7 @@
               <a:t>   </a:t>
             </a:r>
             <a:r>
-              <a:rPr b="0" lang="en-US" sz="2400" spc="-1" strike="noStrike">
+              <a:rPr b="0" lang="en-US" sz="2200" spc="-1" strike="noStrike">
                 <a:solidFill>
                   <a:srgbClr val="000000"/>
                 </a:solidFill>
@@ -5035,19 +5035,19 @@
               </a:rPr>
               <a:t>Break these down into manageable tasks (e.g., learn n-gram models)</a:t>
             </a:r>
-            <a:endParaRPr b="0" lang="en-US" sz="2400" spc="-1" strike="noStrike">
-              <a:latin typeface="Arial"/>
-            </a:endParaRPr>
-          </a:p>
-          <a:p>
-            <a:pPr>
-              <a:lnSpc>
-                <a:spcPct val="100000"/>
-              </a:lnSpc>
-              <a:buNone/>
-            </a:pPr>
-            <a:r>
-              <a:rPr b="0" lang="en-US" sz="2400" spc="-1" strike="noStrike">
+            <a:endParaRPr b="0" lang="en-US" sz="2200" spc="-1" strike="noStrike">
+              <a:latin typeface="Arial"/>
+            </a:endParaRPr>
+          </a:p>
+          <a:p>
+            <a:pPr>
+              <a:lnSpc>
+                <a:spcPct val="100000"/>
+              </a:lnSpc>
+              <a:buNone/>
+            </a:pPr>
+            <a:r>
+              <a:rPr b="0" lang="en-US" sz="2200" spc="-1" strike="noStrike">
                 <a:solidFill>
                   <a:srgbClr val="000000"/>
                 </a:solidFill>
@@ -5057,7 +5057,7 @@
               <a:t>&gt; You might distribute the work across teammates and share learnings</a:t>
             </a:r>
             <a:r>
-              <a:rPr b="0" lang="en-US" sz="1800" spc="-1" strike="noStrike">
+              <a:rPr b="0" lang="en-US" sz="2200" spc="-1" strike="noStrike">
                 <a:solidFill>
                   <a:srgbClr val="000000"/>
                 </a:solidFill>
@@ -5066,18 +5066,18 @@
               </a:rPr>
               <a:t> </a:t>
             </a:r>
-            <a:endParaRPr b="0" lang="en-US" sz="1800" spc="-1" strike="noStrike">
-              <a:latin typeface="Arial"/>
-            </a:endParaRPr>
-          </a:p>
-          <a:p>
-            <a:pPr>
-              <a:lnSpc>
-                <a:spcPct val="100000"/>
-              </a:lnSpc>
-              <a:buNone/>
-            </a:pPr>
-            <a:endParaRPr b="0" lang="en-US" sz="2400" spc="-1" strike="noStrike">
+            <a:endParaRPr b="0" lang="en-US" sz="2200" spc="-1" strike="noStrike">
+              <a:latin typeface="Arial"/>
+            </a:endParaRPr>
+          </a:p>
+          <a:p>
+            <a:pPr>
+              <a:lnSpc>
+                <a:spcPct val="100000"/>
+              </a:lnSpc>
+              <a:buNone/>
+            </a:pPr>
+            <a:endParaRPr b="0" lang="en-US" sz="2200" spc="-1" strike="noStrike">
               <a:latin typeface="Arial"/>
             </a:endParaRPr>
           </a:p>
@@ -5122,7 +5122,7 @@
         <p:spPr>
           <a:xfrm>
             <a:off x="428760" y="71640"/>
-            <a:ext cx="10086480" cy="540720"/>
+            <a:ext cx="10085760" cy="540000"/>
           </a:xfrm>
           <a:prstGeom prst="rect">
             <a:avLst/>
@@ -5174,7 +5174,7 @@
         <p:spPr>
           <a:xfrm>
             <a:off x="457200" y="2057400"/>
-            <a:ext cx="4341960" cy="344880"/>
+            <a:ext cx="4341240" cy="344160"/>
           </a:xfrm>
           <a:prstGeom prst="rect">
             <a:avLst/>
@@ -5200,7 +5200,7 @@
         <p:spPr>
           <a:xfrm>
             <a:off x="457200" y="1277640"/>
-            <a:ext cx="11430000" cy="3487320"/>
+            <a:ext cx="11429280" cy="3486600"/>
           </a:xfrm>
           <a:prstGeom prst="rect">
             <a:avLst/>
@@ -5373,7 +5373,20 @@
                 <a:latin typeface="Arial"/>
                 <a:ea typeface="DejaVu Sans"/>
               </a:rPr>
-              <a:t>   - Are things summarized? (e.g., assemble separate questions into single slide)</a:t>
+              <a:t>   - Are things summarized? </a:t>
+            </a:r>
+            <a:br>
+              <a:rPr sz="2400"/>
+            </a:br>
+            <a:r>
+              <a:rPr b="0" lang="en-US" sz="2400" spc="-1" strike="noStrike">
+                <a:solidFill>
+                  <a:srgbClr val="000000"/>
+                </a:solidFill>
+                <a:latin typeface="Arial"/>
+                <a:ea typeface="DejaVu Sans"/>
+              </a:rPr>
+              <a:t>    (e.g., assemble separate questions into single slide)</a:t>
             </a:r>
             <a:endParaRPr b="0" lang="en-US" sz="2400" spc="-1" strike="noStrike">
               <a:latin typeface="Arial"/>
@@ -5420,7 +5433,7 @@
         <p:spPr>
           <a:xfrm>
             <a:off x="428760" y="71640"/>
-            <a:ext cx="10086480" cy="540720"/>
+            <a:ext cx="10085760" cy="540000"/>
           </a:xfrm>
           <a:prstGeom prst="rect">
             <a:avLst/>
@@ -5472,7 +5485,7 @@
         <p:spPr>
           <a:xfrm>
             <a:off x="457200" y="2057400"/>
-            <a:ext cx="4341960" cy="344880"/>
+            <a:ext cx="4341240" cy="344160"/>
           </a:xfrm>
           <a:prstGeom prst="rect">
             <a:avLst/>
@@ -5498,7 +5511,7 @@
         <p:spPr>
           <a:xfrm>
             <a:off x="457200" y="1277640"/>
-            <a:ext cx="11430000" cy="3487320"/>
+            <a:ext cx="11429280" cy="3486600"/>
           </a:xfrm>
           <a:prstGeom prst="rect">
             <a:avLst/>
@@ -5703,7 +5716,7 @@
         <p:spPr>
           <a:xfrm>
             <a:off x="428760" y="71640"/>
-            <a:ext cx="10086480" cy="540720"/>
+            <a:ext cx="10085760" cy="540000"/>
           </a:xfrm>
           <a:prstGeom prst="rect">
             <a:avLst/>
@@ -5755,7 +5768,7 @@
         <p:spPr>
           <a:xfrm>
             <a:off x="457200" y="2057400"/>
-            <a:ext cx="4341960" cy="344880"/>
+            <a:ext cx="4341240" cy="344160"/>
           </a:xfrm>
           <a:prstGeom prst="rect">
             <a:avLst/>
@@ -5781,7 +5794,7 @@
         <p:spPr>
           <a:xfrm>
             <a:off x="457200" y="1277640"/>
-            <a:ext cx="10514160" cy="3487320"/>
+            <a:ext cx="10513440" cy="3486600"/>
           </a:xfrm>
           <a:prstGeom prst="rect">
             <a:avLst/>
@@ -6021,7 +6034,7 @@
         <p:spPr>
           <a:xfrm>
             <a:off x="428760" y="71640"/>
-            <a:ext cx="10086480" cy="540720"/>
+            <a:ext cx="10085760" cy="540000"/>
           </a:xfrm>
           <a:prstGeom prst="rect">
             <a:avLst/>
@@ -6073,7 +6086,7 @@
         <p:spPr>
           <a:xfrm>
             <a:off x="457200" y="2057400"/>
-            <a:ext cx="4341960" cy="344880"/>
+            <a:ext cx="4341240" cy="344160"/>
           </a:xfrm>
           <a:prstGeom prst="rect">
             <a:avLst/>
@@ -6099,7 +6112,7 @@
         <p:spPr>
           <a:xfrm>
             <a:off x="457200" y="1277640"/>
-            <a:ext cx="10514160" cy="3487320"/>
+            <a:ext cx="10513440" cy="3486600"/>
           </a:xfrm>
           <a:prstGeom prst="rect">
             <a:avLst/>
@@ -6127,7 +6140,7 @@
               <a:buNone/>
             </a:pPr>
             <a:r>
-              <a:rPr b="0" lang="en-US" sz="2400" spc="-1" strike="noStrike">
+              <a:rPr b="0" lang="en-US" sz="2200" spc="-1" strike="noStrike">
                 <a:solidFill>
                   <a:srgbClr val="000000"/>
                 </a:solidFill>
@@ -6136,19 +6149,19 @@
               </a:rPr>
               <a:t>You’ve built a model</a:t>
             </a:r>
-            <a:endParaRPr b="0" lang="en-US" sz="2400" spc="-1" strike="noStrike">
-              <a:latin typeface="Arial"/>
-            </a:endParaRPr>
-          </a:p>
-          <a:p>
-            <a:pPr>
-              <a:lnSpc>
-                <a:spcPct val="100000"/>
-              </a:lnSpc>
-              <a:buNone/>
-            </a:pPr>
-            <a:r>
-              <a:rPr b="0" lang="en-US" sz="2400" spc="-1" strike="noStrike">
+            <a:endParaRPr b="0" lang="en-US" sz="2200" spc="-1" strike="noStrike">
+              <a:latin typeface="Arial"/>
+            </a:endParaRPr>
+          </a:p>
+          <a:p>
+            <a:pPr>
+              <a:lnSpc>
+                <a:spcPct val="100000"/>
+              </a:lnSpc>
+              <a:buNone/>
+            </a:pPr>
+            <a:r>
+              <a:rPr b="0" lang="en-US" sz="2200" spc="-1" strike="noStrike">
                 <a:solidFill>
                   <a:srgbClr val="000000"/>
                 </a:solidFill>
@@ -6157,30 +6170,30 @@
               </a:rPr>
               <a:t>When you change hyperparameters slightly, the results change drastically</a:t>
             </a:r>
-            <a:endParaRPr b="0" lang="en-US" sz="2400" spc="-1" strike="noStrike">
-              <a:latin typeface="Arial"/>
-            </a:endParaRPr>
-          </a:p>
-          <a:p>
-            <a:pPr>
-              <a:lnSpc>
-                <a:spcPct val="100000"/>
-              </a:lnSpc>
-              <a:buNone/>
-            </a:pPr>
-            <a:endParaRPr b="0" lang="en-US" sz="2400" spc="-1" strike="noStrike">
-              <a:latin typeface="Arial"/>
-            </a:endParaRPr>
-          </a:p>
-          <a:p>
-            <a:pPr>
-              <a:lnSpc>
-                <a:spcPct val="100000"/>
-              </a:lnSpc>
-              <a:buNone/>
-            </a:pPr>
-            <a:r>
-              <a:rPr b="1" lang="en-US" sz="2400" spc="-1" strike="noStrike">
+            <a:endParaRPr b="0" lang="en-US" sz="2200" spc="-1" strike="noStrike">
+              <a:latin typeface="Arial"/>
+            </a:endParaRPr>
+          </a:p>
+          <a:p>
+            <a:pPr>
+              <a:lnSpc>
+                <a:spcPct val="100000"/>
+              </a:lnSpc>
+              <a:buNone/>
+            </a:pPr>
+            <a:endParaRPr b="0" lang="en-US" sz="2200" spc="-1" strike="noStrike">
+              <a:latin typeface="Arial"/>
+            </a:endParaRPr>
+          </a:p>
+          <a:p>
+            <a:pPr>
+              <a:lnSpc>
+                <a:spcPct val="100000"/>
+              </a:lnSpc>
+              <a:buNone/>
+            </a:pPr>
+            <a:r>
+              <a:rPr b="1" lang="en-US" sz="2200" spc="-1" strike="noStrike">
                 <a:solidFill>
                   <a:srgbClr val="000000"/>
                 </a:solidFill>
@@ -6189,30 +6202,30 @@
               </a:rPr>
               <a:t>Q: Why is my model so unstable?</a:t>
             </a:r>
-            <a:endParaRPr b="0" lang="en-US" sz="2400" spc="-1" strike="noStrike">
-              <a:latin typeface="Arial"/>
-            </a:endParaRPr>
-          </a:p>
-          <a:p>
-            <a:pPr>
-              <a:lnSpc>
-                <a:spcPct val="100000"/>
-              </a:lnSpc>
-              <a:buNone/>
-            </a:pPr>
-            <a:endParaRPr b="0" lang="en-US" sz="2400" spc="-1" strike="noStrike">
-              <a:latin typeface="Arial"/>
-            </a:endParaRPr>
-          </a:p>
-          <a:p>
-            <a:pPr>
-              <a:lnSpc>
-                <a:spcPct val="100000"/>
-              </a:lnSpc>
-              <a:buNone/>
-            </a:pPr>
-            <a:r>
-              <a:rPr b="0" lang="en-US" sz="2400" spc="-1" strike="noStrike">
+            <a:endParaRPr b="0" lang="en-US" sz="2200" spc="-1" strike="noStrike">
+              <a:latin typeface="Arial"/>
+            </a:endParaRPr>
+          </a:p>
+          <a:p>
+            <a:pPr>
+              <a:lnSpc>
+                <a:spcPct val="100000"/>
+              </a:lnSpc>
+              <a:buNone/>
+            </a:pPr>
+            <a:endParaRPr b="0" lang="en-US" sz="2200" spc="-1" strike="noStrike">
+              <a:latin typeface="Arial"/>
+            </a:endParaRPr>
+          </a:p>
+          <a:p>
+            <a:pPr>
+              <a:lnSpc>
+                <a:spcPct val="100000"/>
+              </a:lnSpc>
+              <a:buNone/>
+            </a:pPr>
+            <a:r>
+              <a:rPr b="0" lang="en-US" sz="2200" spc="-1" strike="noStrike">
                 <a:solidFill>
                   <a:srgbClr val="000000"/>
                 </a:solidFill>
@@ -6221,51 +6234,51 @@
               </a:rPr>
               <a:t>While we tune models for better performance,</a:t>
             </a:r>
-            <a:endParaRPr b="0" lang="en-US" sz="2400" spc="-1" strike="noStrike">
-              <a:latin typeface="Arial"/>
-            </a:endParaRPr>
-          </a:p>
-          <a:p>
-            <a:pPr>
-              <a:lnSpc>
-                <a:spcPct val="100000"/>
-              </a:lnSpc>
-              <a:buNone/>
-            </a:pPr>
-            <a:r>
-              <a:rPr b="0" lang="en-US" sz="2400" spc="-1" strike="noStrike">
-                <a:solidFill>
-                  <a:srgbClr val="000000"/>
-                </a:solidFill>
-                <a:latin typeface="Arial"/>
-                <a:ea typeface="DejaVu Sans"/>
-              </a:rPr>
-              <a:t>a drastic change in output is not desireable</a:t>
-            </a:r>
-            <a:endParaRPr b="0" lang="en-US" sz="2400" spc="-1" strike="noStrike">
-              <a:latin typeface="Arial"/>
-            </a:endParaRPr>
-          </a:p>
-          <a:p>
-            <a:pPr>
-              <a:lnSpc>
-                <a:spcPct val="100000"/>
-              </a:lnSpc>
-              <a:buNone/>
-            </a:pPr>
-            <a:endParaRPr b="0" lang="en-US" sz="2400" spc="-1" strike="noStrike">
-              <a:latin typeface="Arial"/>
-            </a:endParaRPr>
-          </a:p>
-          <a:p>
-            <a:pPr>
-              <a:lnSpc>
-                <a:spcPct val="100000"/>
-              </a:lnSpc>
-              <a:buNone/>
-            </a:pPr>
-            <a:r>
-              <a:rPr b="0" lang="en-US" sz="2400" spc="-1" strike="noStrike">
+            <a:endParaRPr b="0" lang="en-US" sz="2200" spc="-1" strike="noStrike">
+              <a:latin typeface="Arial"/>
+            </a:endParaRPr>
+          </a:p>
+          <a:p>
+            <a:pPr>
+              <a:lnSpc>
+                <a:spcPct val="100000"/>
+              </a:lnSpc>
+              <a:buNone/>
+            </a:pPr>
+            <a:r>
+              <a:rPr b="0" lang="en-US" sz="2200" spc="-1" strike="noStrike">
+                <a:solidFill>
+                  <a:srgbClr val="000000"/>
+                </a:solidFill>
+                <a:latin typeface="Arial"/>
+                <a:ea typeface="DejaVu Sans"/>
+              </a:rPr>
+              <a:t>a drastic change in output is not desirable</a:t>
+            </a:r>
+            <a:endParaRPr b="0" lang="en-US" sz="2200" spc="-1" strike="noStrike">
+              <a:latin typeface="Arial"/>
+            </a:endParaRPr>
+          </a:p>
+          <a:p>
+            <a:pPr>
+              <a:lnSpc>
+                <a:spcPct val="100000"/>
+              </a:lnSpc>
+              <a:buNone/>
+            </a:pPr>
+            <a:endParaRPr b="0" lang="en-US" sz="2200" spc="-1" strike="noStrike">
+              <a:latin typeface="Arial"/>
+            </a:endParaRPr>
+          </a:p>
+          <a:p>
+            <a:pPr>
+              <a:lnSpc>
+                <a:spcPct val="100000"/>
+              </a:lnSpc>
+              <a:buNone/>
+            </a:pPr>
+            <a:r>
+              <a:rPr b="0" lang="en-US" sz="2200" spc="-1" strike="noStrike">
                 <a:solidFill>
                   <a:srgbClr val="000000"/>
                 </a:solidFill>
@@ -6274,19 +6287,19 @@
               </a:rPr>
               <a:t>&gt; The model may be too complex</a:t>
             </a:r>
-            <a:endParaRPr b="0" lang="en-US" sz="2400" spc="-1" strike="noStrike">
-              <a:latin typeface="Arial"/>
-            </a:endParaRPr>
-          </a:p>
-          <a:p>
-            <a:pPr>
-              <a:lnSpc>
-                <a:spcPct val="100000"/>
-              </a:lnSpc>
-              <a:buNone/>
-            </a:pPr>
-            <a:r>
-              <a:rPr b="0" lang="en-US" sz="2400" spc="-1" strike="noStrike">
+            <a:endParaRPr b="0" lang="en-US" sz="2200" spc="-1" strike="noStrike">
+              <a:latin typeface="Arial"/>
+            </a:endParaRPr>
+          </a:p>
+          <a:p>
+            <a:pPr>
+              <a:lnSpc>
+                <a:spcPct val="100000"/>
+              </a:lnSpc>
+              <a:buNone/>
+            </a:pPr>
+            <a:r>
+              <a:rPr b="0" lang="en-US" sz="2200" spc="-1" strike="noStrike">
                 <a:solidFill>
                   <a:srgbClr val="000000"/>
                 </a:solidFill>
@@ -6295,30 +6308,30 @@
               </a:rPr>
               <a:t>Can try simpler model and examine sensitivity</a:t>
             </a:r>
-            <a:endParaRPr b="0" lang="en-US" sz="2400" spc="-1" strike="noStrike">
-              <a:latin typeface="Arial"/>
-            </a:endParaRPr>
-          </a:p>
-          <a:p>
-            <a:pPr>
-              <a:lnSpc>
-                <a:spcPct val="100000"/>
-              </a:lnSpc>
-              <a:buNone/>
-            </a:pPr>
-            <a:endParaRPr b="0" lang="en-US" sz="2400" spc="-1" strike="noStrike">
-              <a:latin typeface="Arial"/>
-            </a:endParaRPr>
-          </a:p>
-          <a:p>
-            <a:pPr>
-              <a:lnSpc>
-                <a:spcPct val="100000"/>
-              </a:lnSpc>
-              <a:buNone/>
-            </a:pPr>
-            <a:r>
-              <a:rPr b="0" lang="en-US" sz="2400" spc="-1" strike="noStrike">
+            <a:endParaRPr b="0" lang="en-US" sz="2200" spc="-1" strike="noStrike">
+              <a:latin typeface="Arial"/>
+            </a:endParaRPr>
+          </a:p>
+          <a:p>
+            <a:pPr>
+              <a:lnSpc>
+                <a:spcPct val="100000"/>
+              </a:lnSpc>
+              <a:buNone/>
+            </a:pPr>
+            <a:endParaRPr b="0" lang="en-US" sz="2200" spc="-1" strike="noStrike">
+              <a:latin typeface="Arial"/>
+            </a:endParaRPr>
+          </a:p>
+          <a:p>
+            <a:pPr>
+              <a:lnSpc>
+                <a:spcPct val="100000"/>
+              </a:lnSpc>
+              <a:buNone/>
+            </a:pPr>
+            <a:r>
+              <a:rPr b="0" lang="en-US" sz="2200" spc="-1" strike="noStrike">
                 <a:solidFill>
                   <a:srgbClr val="000000"/>
                 </a:solidFill>
@@ -6327,7 +6340,7 @@
               </a:rPr>
               <a:t>&gt; Did you cross validate the model? This is a good practice when feasible</a:t>
             </a:r>
-            <a:endParaRPr b="0" lang="en-US" sz="2400" spc="-1" strike="noStrike">
+            <a:endParaRPr b="0" lang="en-US" sz="2200" spc="-1" strike="noStrike">
               <a:latin typeface="Arial"/>
             </a:endParaRPr>
           </a:p>
@@ -6372,7 +6385,7 @@
         <p:spPr>
           <a:xfrm>
             <a:off x="428760" y="71640"/>
-            <a:ext cx="10086480" cy="540720"/>
+            <a:ext cx="10085760" cy="540000"/>
           </a:xfrm>
           <a:prstGeom prst="rect">
             <a:avLst/>
@@ -6424,7 +6437,7 @@
         <p:spPr>
           <a:xfrm>
             <a:off x="457200" y="2057400"/>
-            <a:ext cx="4341960" cy="344880"/>
+            <a:ext cx="4341240" cy="344160"/>
           </a:xfrm>
           <a:prstGeom prst="rect">
             <a:avLst/>
@@ -6450,7 +6463,7 @@
         <p:spPr>
           <a:xfrm>
             <a:off x="457200" y="1277640"/>
-            <a:ext cx="10514160" cy="3487320"/>
+            <a:ext cx="10513440" cy="3486600"/>
           </a:xfrm>
           <a:prstGeom prst="rect">
             <a:avLst/>
@@ -6617,7 +6630,7 @@
                 <a:latin typeface="Arial"/>
                 <a:ea typeface="DejaVu Sans"/>
               </a:rPr>
-              <a:t>Please lean on that system for help!</a:t>
+              <a:t>Please lean on this system for help!</a:t>
             </a:r>
             <a:endParaRPr b="0" lang="en-US" sz="2400" spc="-1" strike="noStrike">
               <a:latin typeface="Arial"/>
@@ -6686,7 +6699,7 @@
         <p:spPr>
           <a:xfrm>
             <a:off x="428760" y="71640"/>
-            <a:ext cx="6428880" cy="540720"/>
+            <a:ext cx="6428160" cy="540000"/>
           </a:xfrm>
           <a:prstGeom prst="rect">
             <a:avLst/>
@@ -6738,7 +6751,7 @@
         <p:spPr>
           <a:xfrm>
             <a:off x="457200" y="2057400"/>
-            <a:ext cx="4341960" cy="344880"/>
+            <a:ext cx="4341240" cy="344160"/>
           </a:xfrm>
           <a:prstGeom prst="rect">
             <a:avLst/>
@@ -6764,7 +6777,7 @@
         <p:spPr>
           <a:xfrm>
             <a:off x="457200" y="1673640"/>
-            <a:ext cx="10514160" cy="3487320"/>
+            <a:ext cx="10513440" cy="3486600"/>
           </a:xfrm>
           <a:prstGeom prst="rect">
             <a:avLst/>
@@ -6921,7 +6934,7 @@
         <p:spPr>
           <a:xfrm>
             <a:off x="428760" y="71640"/>
-            <a:ext cx="10086480" cy="540720"/>
+            <a:ext cx="10085760" cy="540000"/>
           </a:xfrm>
           <a:prstGeom prst="rect">
             <a:avLst/>
@@ -6973,7 +6986,7 @@
         <p:spPr>
           <a:xfrm>
             <a:off x="457200" y="2057400"/>
-            <a:ext cx="4341960" cy="344880"/>
+            <a:ext cx="4341240" cy="344160"/>
           </a:xfrm>
           <a:prstGeom prst="rect">
             <a:avLst/>
@@ -6999,7 +7012,7 @@
         <p:spPr>
           <a:xfrm>
             <a:off x="457200" y="1277640"/>
-            <a:ext cx="10514160" cy="3487320"/>
+            <a:ext cx="10513440" cy="3486600"/>
           </a:xfrm>
           <a:prstGeom prst="rect">
             <a:avLst/>
@@ -7185,7 +7198,7 @@
         <p:spPr>
           <a:xfrm>
             <a:off x="428760" y="71640"/>
-            <a:ext cx="10086480" cy="540720"/>
+            <a:ext cx="10085760" cy="540000"/>
           </a:xfrm>
           <a:prstGeom prst="rect">
             <a:avLst/>
@@ -7237,7 +7250,7 @@
         <p:spPr>
           <a:xfrm>
             <a:off x="457200" y="2057400"/>
-            <a:ext cx="4341960" cy="344880"/>
+            <a:ext cx="4341240" cy="344160"/>
           </a:xfrm>
           <a:prstGeom prst="rect">
             <a:avLst/>
@@ -7263,7 +7276,7 @@
         <p:spPr>
           <a:xfrm>
             <a:off x="457200" y="1277640"/>
-            <a:ext cx="10514160" cy="3487320"/>
+            <a:ext cx="10513440" cy="3486600"/>
           </a:xfrm>
           <a:prstGeom prst="rect">
             <a:avLst/>
@@ -7342,7 +7355,38 @@
                 <a:latin typeface="Arial"/>
                 <a:ea typeface="DejaVu Sans"/>
               </a:rPr>
-              <a:t>&gt; What needs to happen? (build lists, embed objects, build classifier, …)</a:t>
+              <a:t>&gt; What needs to happen? (build lists, embed objects, </a:t>
+            </a:r>
+            <a:endParaRPr b="0" lang="en-US" sz="2400" spc="-1" strike="noStrike">
+              <a:latin typeface="Arial"/>
+            </a:endParaRPr>
+          </a:p>
+          <a:p>
+            <a:pPr>
+              <a:lnSpc>
+                <a:spcPct val="100000"/>
+              </a:lnSpc>
+              <a:buNone/>
+            </a:pPr>
+            <a:r>
+              <a:rPr b="0" lang="en-US" sz="2400" spc="-1" strike="noStrike">
+                <a:solidFill>
+                  <a:srgbClr val="000000"/>
+                </a:solidFill>
+                <a:latin typeface="Arial"/>
+                <a:ea typeface="DejaVu Sans"/>
+              </a:rPr>
+              <a:t>     </a:t>
+            </a:r>
+            <a:r>
+              <a:rPr b="0" lang="en-US" sz="2400" spc="-1" strike="noStrike">
+                <a:solidFill>
+                  <a:srgbClr val="000000"/>
+                </a:solidFill>
+                <a:latin typeface="Arial"/>
+                <a:ea typeface="DejaVu Sans"/>
+              </a:rPr>
+              <a:t>build classifier, …)</a:t>
             </a:r>
             <a:endParaRPr b="0" lang="en-US" sz="2400" spc="-1" strike="noStrike">
               <a:latin typeface="Arial"/>
@@ -7509,7 +7553,7 @@
         <p:spPr>
           <a:xfrm>
             <a:off x="428760" y="71640"/>
-            <a:ext cx="10086480" cy="540720"/>
+            <a:ext cx="10085760" cy="540000"/>
           </a:xfrm>
           <a:prstGeom prst="rect">
             <a:avLst/>
@@ -7561,7 +7605,7 @@
         <p:spPr>
           <a:xfrm>
             <a:off x="457200" y="2057400"/>
-            <a:ext cx="4341960" cy="344880"/>
+            <a:ext cx="4341240" cy="344160"/>
           </a:xfrm>
           <a:prstGeom prst="rect">
             <a:avLst/>
@@ -7587,7 +7631,7 @@
         <p:spPr>
           <a:xfrm>
             <a:off x="457200" y="1277640"/>
-            <a:ext cx="10514160" cy="3487320"/>
+            <a:ext cx="10513440" cy="3486600"/>
           </a:xfrm>
           <a:prstGeom prst="rect">
             <a:avLst/>
@@ -7763,7 +7807,7 @@
         <p:spPr>
           <a:xfrm>
             <a:off x="428760" y="2807640"/>
-            <a:ext cx="11229480" cy="540720"/>
+            <a:ext cx="11228760" cy="540000"/>
           </a:xfrm>
           <a:prstGeom prst="rect">
             <a:avLst/>
@@ -7858,7 +7902,7 @@
         <p:spPr>
           <a:xfrm>
             <a:off x="457200" y="2057400"/>
-            <a:ext cx="4341960" cy="344880"/>
+            <a:ext cx="4341240" cy="344160"/>
           </a:xfrm>
           <a:prstGeom prst="rect">
             <a:avLst/>
@@ -7914,7 +7958,7 @@
         <p:spPr>
           <a:xfrm>
             <a:off x="428760" y="71640"/>
-            <a:ext cx="10086480" cy="540720"/>
+            <a:ext cx="10085760" cy="540000"/>
           </a:xfrm>
           <a:prstGeom prst="rect">
             <a:avLst/>
@@ -7966,7 +8010,7 @@
         <p:spPr>
           <a:xfrm>
             <a:off x="457200" y="2057400"/>
-            <a:ext cx="4341960" cy="344880"/>
+            <a:ext cx="4341240" cy="344160"/>
           </a:xfrm>
           <a:prstGeom prst="rect">
             <a:avLst/>
@@ -7992,7 +8036,7 @@
         <p:spPr>
           <a:xfrm>
             <a:off x="457200" y="1277640"/>
-            <a:ext cx="10514160" cy="3487320"/>
+            <a:ext cx="10513440" cy="3486600"/>
           </a:xfrm>
           <a:prstGeom prst="rect">
             <a:avLst/>
@@ -8020,7 +8064,7 @@
               <a:buNone/>
             </a:pPr>
             <a:r>
-              <a:rPr b="0" lang="en-US" sz="2400" spc="-1" strike="noStrike">
+              <a:rPr b="0" lang="en-US" sz="2200" spc="-1" strike="noStrike">
                 <a:solidFill>
                   <a:srgbClr val="000000"/>
                 </a:solidFill>
@@ -8029,30 +8073,30 @@
               </a:rPr>
               <a:t>Each project should have a problem statement, but clarity may vary.</a:t>
             </a:r>
-            <a:endParaRPr b="0" lang="en-US" sz="2400" spc="-1" strike="noStrike">
-              <a:latin typeface="Arial"/>
-            </a:endParaRPr>
-          </a:p>
-          <a:p>
-            <a:pPr>
-              <a:lnSpc>
-                <a:spcPct val="100000"/>
-              </a:lnSpc>
-              <a:buNone/>
-            </a:pPr>
-            <a:endParaRPr b="0" lang="en-US" sz="2400" spc="-1" strike="noStrike">
-              <a:latin typeface="Arial"/>
-            </a:endParaRPr>
-          </a:p>
-          <a:p>
-            <a:pPr>
-              <a:lnSpc>
-                <a:spcPct val="100000"/>
-              </a:lnSpc>
-              <a:buNone/>
-            </a:pPr>
-            <a:r>
-              <a:rPr b="1" lang="en-US" sz="2400" spc="-1" strike="noStrike">
+            <a:endParaRPr b="0" lang="en-US" sz="2200" spc="-1" strike="noStrike">
+              <a:latin typeface="Arial"/>
+            </a:endParaRPr>
+          </a:p>
+          <a:p>
+            <a:pPr>
+              <a:lnSpc>
+                <a:spcPct val="100000"/>
+              </a:lnSpc>
+              <a:buNone/>
+            </a:pPr>
+            <a:endParaRPr b="0" lang="en-US" sz="2200" spc="-1" strike="noStrike">
+              <a:latin typeface="Arial"/>
+            </a:endParaRPr>
+          </a:p>
+          <a:p>
+            <a:pPr>
+              <a:lnSpc>
+                <a:spcPct val="100000"/>
+              </a:lnSpc>
+              <a:buNone/>
+            </a:pPr>
+            <a:r>
+              <a:rPr b="1" lang="en-US" sz="2200" spc="-1" strike="noStrike">
                 <a:solidFill>
                   <a:srgbClr val="000000"/>
                 </a:solidFill>
@@ -8061,30 +8105,30 @@
               </a:rPr>
               <a:t>Q: What if the sponsor doesn’t clearly define the problem?</a:t>
             </a:r>
-            <a:endParaRPr b="0" lang="en-US" sz="2400" spc="-1" strike="noStrike">
-              <a:latin typeface="Arial"/>
-            </a:endParaRPr>
-          </a:p>
-          <a:p>
-            <a:pPr>
-              <a:lnSpc>
-                <a:spcPct val="100000"/>
-              </a:lnSpc>
-              <a:buNone/>
-            </a:pPr>
-            <a:endParaRPr b="0" lang="en-US" sz="2400" spc="-1" strike="noStrike">
-              <a:latin typeface="Arial"/>
-            </a:endParaRPr>
-          </a:p>
-          <a:p>
-            <a:pPr>
-              <a:lnSpc>
-                <a:spcPct val="100000"/>
-              </a:lnSpc>
-              <a:buNone/>
-            </a:pPr>
-            <a:r>
-              <a:rPr b="0" lang="en-US" sz="2400" spc="-1" strike="noStrike">
+            <a:endParaRPr b="0" lang="en-US" sz="2200" spc="-1" strike="noStrike">
+              <a:latin typeface="Arial"/>
+            </a:endParaRPr>
+          </a:p>
+          <a:p>
+            <a:pPr>
+              <a:lnSpc>
+                <a:spcPct val="100000"/>
+              </a:lnSpc>
+              <a:buNone/>
+            </a:pPr>
+            <a:endParaRPr b="0" lang="en-US" sz="2200" spc="-1" strike="noStrike">
+              <a:latin typeface="Arial"/>
+            </a:endParaRPr>
+          </a:p>
+          <a:p>
+            <a:pPr>
+              <a:lnSpc>
+                <a:spcPct val="100000"/>
+              </a:lnSpc>
+              <a:buNone/>
+            </a:pPr>
+            <a:r>
+              <a:rPr b="0" lang="en-US" sz="2200" spc="-1" strike="noStrike">
                 <a:solidFill>
                   <a:srgbClr val="000000"/>
                 </a:solidFill>
@@ -8093,29 +8137,29 @@
               </a:rPr>
               <a:t>You might propose ideas at intersection of what’s achievable &amp; interesting</a:t>
             </a:r>
-            <a:endParaRPr b="0" lang="en-US" sz="2400" spc="-1" strike="noStrike">
-              <a:latin typeface="Arial"/>
-            </a:endParaRPr>
-          </a:p>
-          <a:p>
-            <a:pPr>
-              <a:lnSpc>
-                <a:spcPct val="100000"/>
-              </a:lnSpc>
-              <a:buNone/>
-            </a:pPr>
-            <a:endParaRPr b="0" lang="en-US" sz="2400" spc="-1" strike="noStrike">
-              <a:latin typeface="Arial"/>
-            </a:endParaRPr>
-          </a:p>
-          <a:p>
-            <a:pPr>
-              <a:lnSpc>
-                <a:spcPct val="100000"/>
-              </a:lnSpc>
-              <a:buNone/>
-            </a:pPr>
-            <a:endParaRPr b="0" lang="en-US" sz="2400" spc="-1" strike="noStrike">
+            <a:endParaRPr b="0" lang="en-US" sz="2200" spc="-1" strike="noStrike">
+              <a:latin typeface="Arial"/>
+            </a:endParaRPr>
+          </a:p>
+          <a:p>
+            <a:pPr>
+              <a:lnSpc>
+                <a:spcPct val="100000"/>
+              </a:lnSpc>
+              <a:buNone/>
+            </a:pPr>
+            <a:endParaRPr b="0" lang="en-US" sz="2200" spc="-1" strike="noStrike">
+              <a:latin typeface="Arial"/>
+            </a:endParaRPr>
+          </a:p>
+          <a:p>
+            <a:pPr>
+              <a:lnSpc>
+                <a:spcPct val="100000"/>
+              </a:lnSpc>
+              <a:buNone/>
+            </a:pPr>
+            <a:endParaRPr b="0" lang="en-US" sz="2200" spc="-1" strike="noStrike">
               <a:latin typeface="Arial"/>
             </a:endParaRPr>
           </a:p>
@@ -8160,7 +8204,7 @@
         <p:spPr>
           <a:xfrm>
             <a:off x="428760" y="71640"/>
-            <a:ext cx="10086480" cy="540720"/>
+            <a:ext cx="10085760" cy="540000"/>
           </a:xfrm>
           <a:prstGeom prst="rect">
             <a:avLst/>
@@ -8212,7 +8256,7 @@
         <p:spPr>
           <a:xfrm>
             <a:off x="457200" y="2057400"/>
-            <a:ext cx="4341960" cy="344880"/>
+            <a:ext cx="4341240" cy="344160"/>
           </a:xfrm>
           <a:prstGeom prst="rect">
             <a:avLst/>
@@ -8238,7 +8282,7 @@
         <p:spPr>
           <a:xfrm>
             <a:off x="457200" y="1277640"/>
-            <a:ext cx="10514160" cy="3487320"/>
+            <a:ext cx="10513440" cy="3486600"/>
           </a:xfrm>
           <a:prstGeom prst="rect">
             <a:avLst/>
@@ -8503,7 +8547,7 @@
         <p:spPr>
           <a:xfrm>
             <a:off x="428760" y="71640"/>
-            <a:ext cx="10086480" cy="540720"/>
+            <a:ext cx="10085760" cy="540000"/>
           </a:xfrm>
           <a:prstGeom prst="rect">
             <a:avLst/>
@@ -8555,7 +8599,7 @@
         <p:spPr>
           <a:xfrm>
             <a:off x="457200" y="2057400"/>
-            <a:ext cx="4341960" cy="344880"/>
+            <a:ext cx="4341240" cy="344160"/>
           </a:xfrm>
           <a:prstGeom prst="rect">
             <a:avLst/>
@@ -8581,7 +8625,7 @@
         <p:spPr>
           <a:xfrm>
             <a:off x="457200" y="1277640"/>
-            <a:ext cx="10514160" cy="3487320"/>
+            <a:ext cx="10513440" cy="3486600"/>
           </a:xfrm>
           <a:prstGeom prst="rect">
             <a:avLst/>
